--- a/files/presentation/ppt/5.11 Challenges Motivating Deep Learning.pptx
+++ b/files/presentation/ppt/5.11 Challenges Motivating Deep Learning.pptx
@@ -2,7 +2,7 @@
 <file path=ppt/presentation.xml><?xml version="1.0" encoding="utf-8"?>
 <p:presentation xmlns:r="http://schemas.openxmlformats.org/officeDocument/2006/relationships" xmlns:c="http://schemas.openxmlformats.org/drawingml/2006/chart" xmlns:a="http://schemas.openxmlformats.org/drawingml/2006/main" xmlns:dgm="http://schemas.openxmlformats.org/drawingml/2006/diagram" xmlns:dsp="http://schemas.microsoft.com/office/drawing/2008/diagram" xmlns:p="http://schemas.openxmlformats.org/presentationml/2006/main">
   <p:sldMasterIdLst>
-    <p:sldMasterId id="2147483946" r:id="rId1"/>
+    <p:sldMasterId id="2147483952" r:id="rId1"/>
   </p:sldMasterIdLst>
   <p:notesMasterIdLst>
     <p:notesMasterId r:id="rId2"/>
@@ -18,9 +18,6 @@
     <p:sldId id="260" r:id="rId8"/>
     <p:sldId id="261" r:id="rId9"/>
     <p:sldId id="262" r:id="rId10"/>
-    <p:sldId id="263" r:id="rId11"/>
-    <p:sldId id="264" r:id="rId12"/>
-    <p:sldId id="265" r:id="rId13"/>
   </p:sldIdLst>
   <p:sldSz cx="9144000" cy="6858000" type="screen4x3"/>
   <p:notesSz cx="6858000" cy="9144000"/>
@@ -2880,244 +2877,6 @@
 </p:sld>
 </file>
 
-<file path=ppt/slides/slide10.xml><?xml version="1.0" encoding="utf-8"?>
-<p:sld xmlns:r="http://schemas.openxmlformats.org/officeDocument/2006/relationships" xmlns:c="http://schemas.openxmlformats.org/drawingml/2006/chart" xmlns:a="http://schemas.openxmlformats.org/drawingml/2006/main" xmlns:dgm="http://schemas.openxmlformats.org/drawingml/2006/diagram" xmlns:dsp="http://schemas.microsoft.com/office/drawing/2008/diagram" xmlns:p="http://schemas.openxmlformats.org/presentationml/2006/main">
-  <p:cSld>
-    <p:spTree>
-      <p:nvGrpSpPr>
-        <p:cNvPr id="1" name=""/>
-        <p:cNvGrpSpPr/>
-        <p:nvPr/>
-      </p:nvGrpSpPr>
-      <p:grpSpPr>
-        <a:xfrm>
-          <a:off x="0" y="0"/>
-          <a:ext cx="0" cy="0"/>
-          <a:chOff x="0" y="0"/>
-          <a:chExt cx="0" cy="0"/>
-        </a:xfrm>
-      </p:grpSpPr>
-      <p:sp>
-        <p:nvSpPr>
-          <p:cNvPr id="2" name="제목 1"/>
-          <p:cNvSpPr>
-            <a:spLocks noGrp="1"/>
-          </p:cNvSpPr>
-          <p:nvPr>
-            <p:ph type="ctrTitle" idx="13"/>
-          </p:nvPr>
-        </p:nvSpPr>
-        <p:spPr/>
-        <p:txBody>
-          <a:bodyPr/>
-          <a:lstStyle/>
-          <a:p>
-            <a:pPr>
-              <a:defRPr/>
-            </a:pPr>
-            <a:r>
-              <a:rPr lang="en-US" altLang="ko-KR"/>
-              <a:t>Python</a:t>
-            </a:r>
-            <a:endParaRPr lang="en-US" altLang="ko-KR"/>
-          </a:p>
-        </p:txBody>
-      </p:sp>
-      <p:sp>
-        <p:nvSpPr>
-          <p:cNvPr id="3" name=""/>
-          <p:cNvSpPr txBox="1"/>
-          <p:nvPr/>
-        </p:nvSpPr>
-        <p:spPr>
-          <a:xfrm>
-            <a:off x="899592" y="1412776"/>
-            <a:ext cx="7488832" cy="3662144"/>
-          </a:xfrm>
-          <a:prstGeom prst="rect">
-            <a:avLst/>
-          </a:prstGeom>
-        </p:spPr>
-        <p:txBody>
-          <a:bodyPr wrap="square">
-            <a:spAutoFit/>
-          </a:bodyPr>
-          <a:p>
-            <a:pPr>
-              <a:defRPr/>
-            </a:pPr>
-            <a:r>
-              <a:rPr lang="en-US" altLang="ko-KR"/>
-              <a:t>● Libraries</a:t>
-            </a:r>
-            <a:endParaRPr lang="en-US" altLang="ko-KR"/>
-          </a:p>
-          <a:p>
-            <a:pPr>
-              <a:defRPr/>
-            </a:pPr>
-            <a:endParaRPr lang="en-US" altLang="ko-KR"/>
-          </a:p>
-          <a:p>
-            <a:pPr>
-              <a:defRPr/>
-            </a:pPr>
-            <a:r>
-              <a:rPr lang="en-US" altLang="ko-KR"/>
-              <a:t>- numpy</a:t>
-            </a:r>
-            <a:endParaRPr lang="en-US" altLang="ko-KR"/>
-          </a:p>
-          <a:p>
-            <a:pPr>
-              <a:defRPr/>
-            </a:pPr>
-            <a:r>
-              <a:rPr lang="en-US" altLang="ko-KR"/>
-              <a:t>- matplotlib</a:t>
-            </a:r>
-            <a:endParaRPr lang="en-US" altLang="ko-KR"/>
-          </a:p>
-          <a:p>
-            <a:pPr>
-              <a:defRPr/>
-            </a:pPr>
-            <a:r>
-              <a:rPr lang="en-US" altLang="ko-KR"/>
-              <a:t>- pandas</a:t>
-            </a:r>
-            <a:endParaRPr lang="en-US" altLang="ko-KR"/>
-          </a:p>
-          <a:p>
-            <a:pPr>
-              <a:defRPr/>
-            </a:pPr>
-            <a:endParaRPr lang="en-US" altLang="ko-KR"/>
-          </a:p>
-          <a:p>
-            <a:pPr>
-              <a:defRPr/>
-            </a:pPr>
-            <a:r>
-              <a:rPr lang="ko-KR" altLang="en-US"/>
-              <a:t>간단한 미분 계산</a:t>
-            </a:r>
-            <a:endParaRPr lang="ko-KR" altLang="en-US"/>
-          </a:p>
-          <a:p>
-            <a:pPr>
-              <a:defRPr/>
-            </a:pPr>
-            <a:r>
-              <a:rPr lang="ko-KR" altLang="en-US"/>
-              <a:t>막대 그래프</a:t>
-            </a:r>
-            <a:r>
-              <a:rPr lang="en-US" altLang="ko-KR"/>
-              <a:t>,</a:t>
-            </a:r>
-            <a:r>
-              <a:rPr lang="ko-KR" altLang="en-US"/>
-              <a:t> 히스토그램</a:t>
-            </a:r>
-            <a:r>
-              <a:rPr lang="en-US" altLang="ko-KR"/>
-              <a:t>,</a:t>
-            </a:r>
-            <a:r>
-              <a:rPr lang="ko-KR" altLang="en-US"/>
-              <a:t> 선 그래프</a:t>
-            </a:r>
-            <a:r>
-              <a:rPr lang="en-US" altLang="ko-KR"/>
-              <a:t>,</a:t>
-            </a:r>
-            <a:r>
-              <a:rPr lang="ko-KR" altLang="en-US"/>
-              <a:t> 산점도</a:t>
-            </a:r>
-            <a:endParaRPr lang="ko-KR" altLang="en-US"/>
-          </a:p>
-          <a:p>
-            <a:pPr>
-              <a:defRPr/>
-            </a:pPr>
-            <a:r>
-              <a:rPr lang="en-US" altLang="ko-KR"/>
-              <a:t>scikit-learn </a:t>
-            </a:r>
-            <a:r>
-              <a:rPr lang="ko-KR" altLang="en-US"/>
-              <a:t>라이브러리에서 </a:t>
-            </a:r>
-            <a:r>
-              <a:rPr lang="en-US" altLang="ko-KR"/>
-              <a:t>Iris dataset </a:t>
-            </a:r>
-            <a:r>
-              <a:rPr lang="ko-KR" altLang="en-US"/>
-              <a:t>호출</a:t>
-            </a:r>
-            <a:r>
-              <a:rPr lang="en-US" altLang="ko-KR"/>
-              <a:t>.</a:t>
-            </a:r>
-            <a:r>
-              <a:rPr lang="ko-KR" altLang="en-US"/>
-              <a:t> 가시화</a:t>
-            </a:r>
-            <a:r>
-              <a:rPr lang="en-US" altLang="ko-KR"/>
-              <a:t>.</a:t>
-            </a:r>
-            <a:endParaRPr lang="en-US" altLang="ko-KR"/>
-          </a:p>
-          <a:p>
-            <a:pPr>
-              <a:defRPr/>
-            </a:pPr>
-            <a:endParaRPr lang="en-US" altLang="ko-KR"/>
-          </a:p>
-          <a:p>
-            <a:pPr>
-              <a:defRPr/>
-            </a:pPr>
-            <a:endParaRPr lang="en-US" altLang="ko-KR"/>
-          </a:p>
-          <a:p>
-            <a:pPr>
-              <a:defRPr/>
-            </a:pPr>
-            <a:endParaRPr lang="en-US" altLang="ko-KR"/>
-          </a:p>
-          <a:p>
-            <a:pPr>
-              <a:defRPr/>
-            </a:pPr>
-            <a:r>
-              <a:rPr lang="en-US" altLang="ko-KR"/>
-              <a:t>- torch</a:t>
-            </a:r>
-            <a:endParaRPr lang="en-US" altLang="ko-KR"/>
-          </a:p>
-        </p:txBody>
-      </p:sp>
-    </p:spTree>
-  </p:cSld>
-  <p:clrMapOvr>
-    <a:masterClrMapping/>
-  </p:clrMapOvr>
-  <mc:AlternateContent xmlns:mc="http://schemas.openxmlformats.org/markup-compatibility/2006">
-    <mc:Choice xmlns:p14="http://schemas.microsoft.com/office/powerpoint/2010/main" Requires="p14">
-      <p:transition xmlns:mc="http://schemas.openxmlformats.org/markup-compatibility/2006" xmlns:p14="http://schemas.microsoft.com/office/powerpoint/2010/main" mc:Ignorable="p14" p14:dur="500"/>
-    </mc:Choice>
-    <mc:Fallback>
-      <p:transition/>
-    </mc:Fallback>
-  </mc:AlternateContent>
-</p:sld>
-</file>
-
 <file path=ppt/slides/slide2.xml><?xml version="1.0" encoding="utf-8"?>
 <p:sld xmlns:r="http://schemas.openxmlformats.org/officeDocument/2006/relationships" xmlns:c="http://schemas.openxmlformats.org/drawingml/2006/chart" xmlns:a="http://schemas.openxmlformats.org/drawingml/2006/main" xmlns:dgm="http://schemas.openxmlformats.org/drawingml/2006/diagram" xmlns:dsp="http://schemas.microsoft.com/office/drawing/2008/diagram" xmlns:p="http://schemas.openxmlformats.org/presentationml/2006/main">
   <p:cSld>
@@ -3161,6 +2920,54 @@
           </a:p>
         </p:txBody>
       </p:sp>
+      <p:pic>
+        <p:nvPicPr>
+          <p:cNvPr id="3" name=""/>
+          <p:cNvPicPr>
+            <a:picLocks noChangeAspect="1"/>
+          </p:cNvPicPr>
+          <p:nvPr/>
+        </p:nvPicPr>
+        <p:blipFill rotWithShape="1">
+          <a:blip r:embed="rId2"/>
+          <a:stretch>
+            <a:fillRect/>
+          </a:stretch>
+        </p:blipFill>
+        <p:spPr>
+          <a:xfrm>
+            <a:off x="2141220" y="1844824"/>
+            <a:ext cx="4861560" cy="1790700"/>
+          </a:xfrm>
+          <a:prstGeom prst="rect">
+            <a:avLst/>
+          </a:prstGeom>
+        </p:spPr>
+      </p:pic>
+      <p:pic>
+        <p:nvPicPr>
+          <p:cNvPr id="4" name=""/>
+          <p:cNvPicPr>
+            <a:picLocks noChangeAspect="1"/>
+          </p:cNvPicPr>
+          <p:nvPr/>
+        </p:nvPicPr>
+        <p:blipFill rotWithShape="1">
+          <a:blip r:embed="rId3"/>
+          <a:stretch>
+            <a:fillRect/>
+          </a:stretch>
+        </p:blipFill>
+        <p:spPr>
+          <a:xfrm>
+            <a:off x="1653540" y="3880068"/>
+            <a:ext cx="5836920" cy="2141220"/>
+          </a:xfrm>
+          <a:prstGeom prst="rect">
+            <a:avLst/>
+          </a:prstGeom>
+        </p:spPr>
+      </p:pic>
     </p:spTree>
   </p:cSld>
   <p:clrMapOvr>
@@ -3220,6 +3027,144 @@
           </a:p>
         </p:txBody>
       </p:sp>
+      <p:sp>
+        <p:nvSpPr>
+          <p:cNvPr id="3" name=""/>
+          <p:cNvSpPr txBox="1"/>
+          <p:nvPr/>
+        </p:nvSpPr>
+        <p:spPr>
+          <a:xfrm>
+            <a:off x="1259632" y="2298541"/>
+            <a:ext cx="6876764" cy="3110679"/>
+          </a:xfrm>
+          <a:prstGeom prst="rect">
+            <a:avLst/>
+          </a:prstGeom>
+        </p:spPr>
+        <p:txBody>
+          <a:bodyPr wrap="square">
+            <a:spAutoFit/>
+          </a:bodyPr>
+          <a:p>
+            <a:pPr>
+              <a:defRPr/>
+            </a:pPr>
+            <a:r>
+              <a:rPr lang="ko-KR" altLang="en-US"/>
+              <a:t>차원을 줄이는 알고리즘</a:t>
+            </a:r>
+            <a:endParaRPr lang="ko-KR" altLang="en-US"/>
+          </a:p>
+          <a:p>
+            <a:pPr>
+              <a:defRPr/>
+            </a:pPr>
+            <a:endParaRPr lang="ko-KR" altLang="en-US"/>
+          </a:p>
+          <a:p>
+            <a:pPr>
+              <a:defRPr/>
+            </a:pPr>
+            <a:endParaRPr lang="ko-KR" altLang="en-US"/>
+          </a:p>
+          <a:p>
+            <a:pPr>
+              <a:defRPr/>
+            </a:pPr>
+            <a:endParaRPr lang="ko-KR" altLang="en-US"/>
+          </a:p>
+          <a:p>
+            <a:pPr>
+              <a:defRPr/>
+            </a:pPr>
+            <a:r>
+              <a:rPr lang="en-US" altLang="ko-KR"/>
+              <a:t>- PCA(Principal Component Analysis)</a:t>
+            </a:r>
+            <a:endParaRPr lang="en-US" altLang="ko-KR"/>
+          </a:p>
+          <a:p>
+            <a:pPr>
+              <a:defRPr/>
+            </a:pPr>
+            <a:endParaRPr lang="en-US" altLang="ko-KR"/>
+          </a:p>
+          <a:p>
+            <a:pPr>
+              <a:defRPr/>
+            </a:pPr>
+            <a:r>
+              <a:rPr lang="en-US" altLang="ko-KR"/>
+              <a:t>- LAD(Linear Discriminant Analysis)</a:t>
+            </a:r>
+            <a:endParaRPr lang="en-US" altLang="ko-KR"/>
+          </a:p>
+          <a:p>
+            <a:pPr>
+              <a:defRPr/>
+            </a:pPr>
+            <a:endParaRPr lang="en-US" altLang="ko-KR"/>
+          </a:p>
+          <a:p>
+            <a:pPr>
+              <a:defRPr/>
+            </a:pPr>
+            <a:r>
+              <a:rPr lang="en-US" altLang="ko-KR"/>
+              <a:t>- LLE(Locally Linear Embedding)</a:t>
+            </a:r>
+            <a:endParaRPr lang="en-US" altLang="ko-KR"/>
+          </a:p>
+          <a:p>
+            <a:pPr>
+              <a:defRPr/>
+            </a:pPr>
+            <a:endParaRPr lang="en-US" altLang="ko-KR"/>
+          </a:p>
+          <a:p>
+            <a:pPr>
+              <a:defRPr/>
+            </a:pPr>
+            <a:r>
+              <a:rPr lang="en-US" altLang="ko-KR"/>
+              <a:t>- MDS(Multidimensional Scaling)</a:t>
+            </a:r>
+            <a:endParaRPr lang="en-US" altLang="ko-KR"/>
+          </a:p>
+        </p:txBody>
+      </p:sp>
+      <p:sp>
+        <p:nvSpPr>
+          <p:cNvPr id="5" name=""/>
+          <p:cNvSpPr txBox="1"/>
+          <p:nvPr/>
+        </p:nvSpPr>
+        <p:spPr>
+          <a:xfrm>
+            <a:off x="629562" y="1232756"/>
+            <a:ext cx="3942438" cy="413164"/>
+          </a:xfrm>
+          <a:prstGeom prst="rect">
+            <a:avLst/>
+          </a:prstGeom>
+        </p:spPr>
+        <p:txBody>
+          <a:bodyPr wrap="square">
+            <a:spAutoFit/>
+          </a:bodyPr>
+          <a:p>
+            <a:pPr>
+              <a:defRPr/>
+            </a:pPr>
+            <a:r>
+              <a:rPr lang="ko-KR" altLang="en-US" sz="2100"/>
+              <a:t>차원의 저주 피하기</a:t>
+            </a:r>
+            <a:endParaRPr lang="ko-KR" altLang="en-US" sz="2100"/>
+          </a:p>
+        </p:txBody>
+      </p:sp>
     </p:spTree>
   </p:cSld>
   <p:clrMapOvr>
@@ -3265,7 +3210,9 @@
         </p:nvSpPr>
         <p:spPr/>
         <p:txBody>
-          <a:bodyPr/>
+          <a:bodyPr>
+            <a:normAutofit fontScale="90000"/>
+          </a:bodyPr>
           <a:lstStyle/>
           <a:p>
             <a:pPr>
@@ -3273,9 +3220,241 @@
             </a:pPr>
             <a:r>
               <a:rPr lang="en-US" altLang="ko-KR"/>
-              <a:t>Curse of Dimensionlity</a:t>
+              <a:t>Local Constancy, Smoothness Regularization</a:t>
             </a:r>
             <a:endParaRPr lang="en-US" altLang="ko-KR"/>
+          </a:p>
+        </p:txBody>
+      </p:sp>
+      <p:sp>
+        <p:nvSpPr>
+          <p:cNvPr id="3" name=""/>
+          <p:cNvSpPr txBox="1"/>
+          <p:nvPr/>
+        </p:nvSpPr>
+        <p:spPr>
+          <a:xfrm>
+            <a:off x="1115616" y="1628800"/>
+            <a:ext cx="7308812" cy="902945"/>
+          </a:xfrm>
+          <a:prstGeom prst="rect">
+            <a:avLst/>
+          </a:prstGeom>
+        </p:spPr>
+        <p:txBody>
+          <a:bodyPr wrap="square">
+            <a:spAutoFit/>
+          </a:bodyPr>
+          <a:p>
+            <a:pPr>
+              <a:defRPr/>
+            </a:pPr>
+            <a:r>
+              <a:rPr lang="en-US" altLang="ko-KR"/>
+              <a:t>In order to generalize well, machine learning algorithms need to be guided by prior beliefs about what kind of function they should learn.</a:t>
+            </a:r>
+            <a:endParaRPr lang="en-US" altLang="ko-KR"/>
+          </a:p>
+        </p:txBody>
+      </p:sp>
+      <p:sp>
+        <p:nvSpPr>
+          <p:cNvPr id="5" name=""/>
+          <p:cNvSpPr txBox="1"/>
+          <p:nvPr/>
+        </p:nvSpPr>
+        <p:spPr>
+          <a:xfrm>
+            <a:off x="1115616" y="3130528"/>
+            <a:ext cx="7308812" cy="1182392"/>
+          </a:xfrm>
+          <a:prstGeom prst="rect">
+            <a:avLst/>
+          </a:prstGeom>
+        </p:spPr>
+        <p:txBody>
+          <a:bodyPr wrap="square">
+            <a:spAutoFit/>
+          </a:bodyPr>
+          <a:p>
+            <a:pPr marL="0" indent="0" algn="l" defTabSz="914400" rtl="0" eaLnBrk="1" latinLnBrk="1" hangingPunct="1">
+              <a:lnSpc>
+                <a:spcPct val="100000"/>
+              </a:lnSpc>
+              <a:spcBef>
+                <a:spcPct val="0"/>
+              </a:spcBef>
+              <a:spcAft>
+                <a:spcPts val="0"/>
+              </a:spcAft>
+              <a:buNone/>
+              <a:defRPr/>
+            </a:pPr>
+            <a:r>
+              <a:rPr xmlns:mc="http://schemas.openxmlformats.org/markup-compatibility/2006" xmlns:hp="http://schemas.haansoft.com/office/presentation/8.0" kumimoji="0" lang="ko-KR" altLang="en-US" sz="1800" b="0" i="0" u="none" strike="noStrike" kern="1200" cap="none" spc="0" normalizeH="0" baseline="0" mc:Ignorable="hp" hp:hslEmbossed="0">
+                <a:solidFill>
+                  <a:srgbClr val="000000"/>
+                </a:solidFill>
+                <a:latin typeface="함초롬돋움"/>
+                <a:ea typeface="함초롬돋움"/>
+                <a:cs typeface="Times New Roman"/>
+              </a:rPr>
+              <a:t>학습하는 함수들의 </a:t>
+            </a:r>
+            <a:r>
+              <a:rPr xmlns:mc="http://schemas.openxmlformats.org/markup-compatibility/2006" xmlns:hp="http://schemas.haansoft.com/office/presentation/8.0" kumimoji="0" lang="en-US" altLang="ko-KR" sz="1800" b="0" i="0" u="none" strike="noStrike" kern="1200" cap="none" spc="0" normalizeH="0" baseline="0" mc:Ignorable="hp" hp:hslEmbossed="0">
+                <a:solidFill>
+                  <a:srgbClr val="000000"/>
+                </a:solidFill>
+                <a:latin typeface="함초롬돋움"/>
+                <a:ea typeface="함초롬돋움"/>
+                <a:cs typeface="Times New Roman"/>
+              </a:rPr>
+              <a:t>prior belief</a:t>
+            </a:r>
+            <a:r>
+              <a:rPr xmlns:mc="http://schemas.openxmlformats.org/markup-compatibility/2006" xmlns:hp="http://schemas.haansoft.com/office/presentation/8.0" kumimoji="0" lang="ko-KR" altLang="en-US" sz="1800" b="0" i="0" u="none" strike="noStrike" kern="1200" cap="none" spc="0" normalizeH="0" baseline="0" mc:Ignorable="hp" hp:hslEmbossed="0">
+                <a:solidFill>
+                  <a:srgbClr val="000000"/>
+                </a:solidFill>
+                <a:latin typeface="함초롬돋움"/>
+                <a:ea typeface="함초롬돋움"/>
+                <a:cs typeface="Times New Roman"/>
+              </a:rPr>
+              <a:t>에 의해 특성이 달라진다</a:t>
+            </a:r>
+            <a:r>
+              <a:rPr xmlns:mc="http://schemas.openxmlformats.org/markup-compatibility/2006" xmlns:hp="http://schemas.haansoft.com/office/presentation/8.0" kumimoji="0" lang="en-US" altLang="ko-KR" sz="1800" b="0" i="0" u="none" strike="noStrike" kern="1200" cap="none" spc="0" normalizeH="0" baseline="0" mc:Ignorable="hp" hp:hslEmbossed="0">
+                <a:solidFill>
+                  <a:srgbClr val="000000"/>
+                </a:solidFill>
+                <a:latin typeface="함초롬돋움"/>
+                <a:ea typeface="함초롬돋움"/>
+                <a:cs typeface="Times New Roman"/>
+              </a:rPr>
+              <a:t>.</a:t>
+            </a:r>
+            <a:endParaRPr xmlns:mc="http://schemas.openxmlformats.org/markup-compatibility/2006" xmlns:hp="http://schemas.haansoft.com/office/presentation/8.0" kumimoji="0" lang="en-US" altLang="ko-KR" sz="1800" b="0" i="0" u="none" strike="noStrike" kern="1200" cap="none" spc="0" normalizeH="0" baseline="0" mc:Ignorable="hp" hp:hslEmbossed="0">
+              <a:solidFill>
+                <a:srgbClr val="000000"/>
+              </a:solidFill>
+              <a:latin typeface="함초롬돋움"/>
+              <a:ea typeface="함초롬돋움"/>
+              <a:cs typeface="Times New Roman"/>
+            </a:endParaRPr>
+          </a:p>
+          <a:p>
+            <a:pPr marL="0" indent="0" algn="l" defTabSz="914400" rtl="0" eaLnBrk="1" latinLnBrk="1" hangingPunct="1">
+              <a:lnSpc>
+                <a:spcPct val="100000"/>
+              </a:lnSpc>
+              <a:spcBef>
+                <a:spcPct val="0"/>
+              </a:spcBef>
+              <a:spcAft>
+                <a:spcPts val="0"/>
+              </a:spcAft>
+              <a:buNone/>
+              <a:defRPr/>
+            </a:pPr>
+            <a:endParaRPr xmlns:mc="http://schemas.openxmlformats.org/markup-compatibility/2006" xmlns:hp="http://schemas.haansoft.com/office/presentation/8.0" kumimoji="0" lang="en-US" altLang="ko-KR" sz="1800" b="0" i="0" u="none" strike="noStrike" kern="1200" cap="none" spc="0" normalizeH="0" baseline="0" mc:Ignorable="hp" hp:hslEmbossed="0">
+              <a:solidFill>
+                <a:srgbClr val="000000"/>
+              </a:solidFill>
+              <a:latin typeface="함초롬돋움"/>
+              <a:ea typeface="함초롬돋움"/>
+              <a:cs typeface="Times New Roman"/>
+            </a:endParaRPr>
+          </a:p>
+          <a:p>
+            <a:pPr marL="0" indent="0" algn="l" defTabSz="914400" rtl="0" eaLnBrk="1" latinLnBrk="1" hangingPunct="1">
+              <a:lnSpc>
+                <a:spcPct val="100000"/>
+              </a:lnSpc>
+              <a:spcBef>
+                <a:spcPct val="0"/>
+              </a:spcBef>
+              <a:spcAft>
+                <a:spcPts val="0"/>
+              </a:spcAft>
+              <a:buNone/>
+              <a:defRPr/>
+            </a:pPr>
+            <a:r>
+              <a:rPr xmlns:mc="http://schemas.openxmlformats.org/markup-compatibility/2006" xmlns:hp="http://schemas.haansoft.com/office/presentation/8.0" kumimoji="0" lang="en-US" altLang="ko-KR" sz="1800" b="0" i="0" u="none" strike="noStrike" kern="1200" cap="none" spc="0" normalizeH="0" baseline="0" mc:Ignorable="hp" hp:hslEmbossed="0">
+                <a:solidFill>
+                  <a:srgbClr val="000000"/>
+                </a:solidFill>
+                <a:latin typeface="함초롬돋움"/>
+                <a:ea typeface="함초롬돋움"/>
+                <a:cs typeface="Times New Roman"/>
+              </a:rPr>
+              <a:t>-</a:t>
+            </a:r>
+            <a:r>
+              <a:rPr xmlns:mc="http://schemas.openxmlformats.org/markup-compatibility/2006" xmlns:hp="http://schemas.haansoft.com/office/presentation/8.0" kumimoji="0" lang="ko-KR" altLang="en-US" sz="1800" b="0" i="0" u="none" strike="noStrike" kern="1200" cap="none" spc="0" normalizeH="0" baseline="0" mc:Ignorable="hp" hp:hslEmbossed="0">
+                <a:solidFill>
+                  <a:srgbClr val="000000"/>
+                </a:solidFill>
+                <a:latin typeface="함초롬돋움"/>
+                <a:ea typeface="함초롬돋움"/>
+                <a:cs typeface="Times New Roman"/>
+              </a:rPr>
+              <a:t> </a:t>
+            </a:r>
+            <a:r>
+              <a:rPr xmlns:mc="http://schemas.openxmlformats.org/markup-compatibility/2006" xmlns:hp="http://schemas.haansoft.com/office/presentation/8.0" kumimoji="0" lang="en-US" altLang="ko-KR" sz="1800" b="0" i="0" u="none" strike="noStrike" kern="1200" cap="none" spc="0" normalizeH="0" baseline="0" mc:Ignorable="hp" hp:hslEmbossed="0">
+                <a:solidFill>
+                  <a:srgbClr val="000000"/>
+                </a:solidFill>
+                <a:latin typeface="함초롬돋움"/>
+                <a:ea typeface="함초롬돋움"/>
+                <a:cs typeface="Times New Roman"/>
+              </a:rPr>
+              <a:t>smoothness</a:t>
+            </a:r>
+            <a:endParaRPr xmlns:mc="http://schemas.openxmlformats.org/markup-compatibility/2006" xmlns:hp="http://schemas.haansoft.com/office/presentation/8.0" kumimoji="0" lang="en-US" altLang="ko-KR" sz="1800" b="0" i="0" u="none" strike="noStrike" kern="1200" cap="none" spc="0" normalizeH="0" baseline="0" mc:Ignorable="hp" hp:hslEmbossed="0">
+              <a:solidFill>
+                <a:srgbClr val="000000"/>
+              </a:solidFill>
+              <a:latin typeface="함초롬돋움"/>
+              <a:ea typeface="함초롬돋움"/>
+              <a:cs typeface="Times New Roman"/>
+            </a:endParaRPr>
+          </a:p>
+          <a:p>
+            <a:pPr marL="0" indent="0" algn="l" defTabSz="914400" rtl="0" eaLnBrk="1" latinLnBrk="1" hangingPunct="1">
+              <a:lnSpc>
+                <a:spcPct val="100000"/>
+              </a:lnSpc>
+              <a:spcBef>
+                <a:spcPct val="0"/>
+              </a:spcBef>
+              <a:spcAft>
+                <a:spcPts val="0"/>
+              </a:spcAft>
+              <a:buNone/>
+              <a:defRPr/>
+            </a:pPr>
+            <a:r>
+              <a:rPr xmlns:mc="http://schemas.openxmlformats.org/markup-compatibility/2006" xmlns:hp="http://schemas.haansoft.com/office/presentation/8.0" kumimoji="0" lang="en-US" altLang="ko-KR" sz="1800" b="0" i="0" u="none" strike="noStrike" kern="1200" cap="none" spc="0" normalizeH="0" baseline="0" mc:Ignorable="hp" hp:hslEmbossed="0">
+                <a:solidFill>
+                  <a:srgbClr val="000000"/>
+                </a:solidFill>
+                <a:latin typeface="함초롬돋움"/>
+                <a:ea typeface="함초롬돋움"/>
+                <a:cs typeface="Times New Roman"/>
+              </a:rPr>
+              <a:t>- local constancy</a:t>
+            </a:r>
+            <a:endParaRPr xmlns:mc="http://schemas.openxmlformats.org/markup-compatibility/2006" xmlns:hp="http://schemas.haansoft.com/office/presentation/8.0" kumimoji="0" lang="en-US" altLang="ko-KR" sz="1800" b="0" i="0" u="none" strike="noStrike" kern="1200" cap="none" spc="0" normalizeH="0" baseline="0" mc:Ignorable="hp" hp:hslEmbossed="0">
+              <a:solidFill>
+                <a:srgbClr val="000000"/>
+              </a:solidFill>
+              <a:latin typeface="함초롬돋움"/>
+              <a:ea typeface="함초롬돋움"/>
+              <a:cs typeface="Times New Roman"/>
+            </a:endParaRPr>
           </a:p>
         </p:txBody>
       </p:sp>
@@ -3324,7 +3503,9 @@
         </p:nvSpPr>
         <p:spPr/>
         <p:txBody>
-          <a:bodyPr/>
+          <a:bodyPr>
+            <a:normAutofit fontScale="90000"/>
+          </a:bodyPr>
           <a:lstStyle/>
           <a:p>
             <a:pPr>
@@ -3332,15 +3513,104 @@
             </a:pPr>
             <a:r>
               <a:rPr lang="en-US" altLang="ko-KR"/>
-              <a:t>SGD</a:t>
+              <a:t>Local Constancy, Smoothness Regularization</a:t>
             </a:r>
             <a:endParaRPr lang="en-US" altLang="ko-KR"/>
+          </a:p>
+        </p:txBody>
+      </p:sp>
+      <p:sp>
+        <p:nvSpPr>
+          <p:cNvPr id="5" name=""/>
+          <p:cNvSpPr txBox="1"/>
+          <p:nvPr/>
+        </p:nvSpPr>
+        <p:spPr>
+          <a:xfrm>
+            <a:off x="1115616" y="4078952"/>
+            <a:ext cx="7308812" cy="643543"/>
+          </a:xfrm>
+          <a:prstGeom prst="rect">
+            <a:avLst/>
+          </a:prstGeom>
+        </p:spPr>
+        <p:txBody>
+          <a:bodyPr wrap="square">
+            <a:spAutoFit/>
+          </a:bodyPr>
+          <a:p>
+            <a:pPr marL="0" indent="0" algn="l" defTabSz="914400" rtl="0" eaLnBrk="1" latinLnBrk="1" hangingPunct="1">
+              <a:lnSpc>
+                <a:spcPct val="100000"/>
+              </a:lnSpc>
+              <a:spcBef>
+                <a:spcPct val="0"/>
+              </a:spcBef>
+              <a:spcAft>
+                <a:spcPts val="0"/>
+              </a:spcAft>
+              <a:buNone/>
+              <a:defRPr/>
+            </a:pPr>
+            <a:r>
+              <a:rPr xmlns:mc="http://schemas.openxmlformats.org/markup-compatibility/2006" xmlns:hp="http://schemas.haansoft.com/office/presentation/8.0" kumimoji="0" lang="en-US" altLang="ko-KR" sz="1800" b="0" i="0" u="none" strike="noStrike" kern="1200" cap="none" spc="0" normalizeH="0" baseline="0" mc:Ignorable="hp" hp:hslEmbossed="0">
+                <a:solidFill>
+                  <a:srgbClr val="000000"/>
+                </a:solidFill>
+                <a:latin typeface="함초롬돋움"/>
+                <a:ea typeface="함초롬돋움"/>
+                <a:cs typeface="Times New Roman"/>
+              </a:rPr>
+              <a:t>- k-NN</a:t>
+            </a:r>
+            <a:endParaRPr xmlns:mc="http://schemas.openxmlformats.org/markup-compatibility/2006" xmlns:hp="http://schemas.haansoft.com/office/presentation/8.0" kumimoji="0" lang="en-US" altLang="ko-KR" sz="1800" b="0" i="0" u="none" strike="noStrike" kern="1200" cap="none" spc="0" normalizeH="0" baseline="0" mc:Ignorable="hp" hp:hslEmbossed="0">
+              <a:solidFill>
+                <a:srgbClr val="000000"/>
+              </a:solidFill>
+              <a:latin typeface="함초롬돋움"/>
+              <a:ea typeface="함초롬돋움"/>
+              <a:cs typeface="Times New Roman"/>
+            </a:endParaRPr>
+          </a:p>
+          <a:p>
+            <a:pPr marL="0" indent="0" algn="l" defTabSz="914400" rtl="0" eaLnBrk="1" latinLnBrk="1" hangingPunct="1">
+              <a:lnSpc>
+                <a:spcPct val="100000"/>
+              </a:lnSpc>
+              <a:spcBef>
+                <a:spcPct val="0"/>
+              </a:spcBef>
+              <a:spcAft>
+                <a:spcPts val="0"/>
+              </a:spcAft>
+              <a:buNone/>
+              <a:defRPr/>
+            </a:pPr>
+            <a:r>
+              <a:rPr xmlns:mc="http://schemas.openxmlformats.org/markup-compatibility/2006" xmlns:hp="http://schemas.haansoft.com/office/presentation/8.0" kumimoji="0" lang="en-US" altLang="ko-KR" sz="1800" b="0" i="0" u="none" strike="noStrike" kern="1200" cap="none" spc="0" normalizeH="0" baseline="0" mc:Ignorable="hp" hp:hslEmbossed="0">
+                <a:solidFill>
+                  <a:srgbClr val="000000"/>
+                </a:solidFill>
+                <a:latin typeface="함초롬돋움"/>
+                <a:ea typeface="함초롬돋움"/>
+                <a:cs typeface="Times New Roman"/>
+              </a:rPr>
+              <a:t>- Decision Tree</a:t>
+            </a:r>
+            <a:endParaRPr xmlns:mc="http://schemas.openxmlformats.org/markup-compatibility/2006" xmlns:hp="http://schemas.haansoft.com/office/presentation/8.0" kumimoji="0" lang="en-US" altLang="ko-KR" sz="1800" b="0" i="0" u="none" strike="noStrike" kern="1200" cap="none" spc="0" normalizeH="0" baseline="0" mc:Ignorable="hp" hp:hslEmbossed="0">
+              <a:solidFill>
+                <a:srgbClr val="000000"/>
+              </a:solidFill>
+              <a:latin typeface="함초롬돋움"/>
+              <a:ea typeface="함초롬돋움"/>
+              <a:cs typeface="Times New Roman"/>
+            </a:endParaRPr>
           </a:p>
         </p:txBody>
       </p:sp>
       <p:pic>
         <p:nvPicPr>
-          <p:cNvPr id="3" name=""/>
+          <p:cNvPr id="6" name=""/>
           <p:cNvPicPr>
             <a:picLocks noChangeAspect="1"/>
           </p:cNvPicPr>
@@ -3354,80 +3624,8 @@
         </p:blipFill>
         <p:spPr>
           <a:xfrm>
-            <a:off x="2446334" y="1664804"/>
-            <a:ext cx="4251329" cy="564991"/>
-          </a:xfrm>
-          <a:prstGeom prst="rect">
-            <a:avLst/>
-          </a:prstGeom>
-        </p:spPr>
-      </p:pic>
-      <p:pic>
-        <p:nvPicPr>
-          <p:cNvPr id="4" name=""/>
-          <p:cNvPicPr>
-            <a:picLocks noChangeAspect="1"/>
-          </p:cNvPicPr>
-          <p:nvPr/>
-        </p:nvPicPr>
-        <p:blipFill rotWithShape="1">
-          <a:blip r:embed="rId3"/>
-          <a:stretch>
-            <a:fillRect/>
-          </a:stretch>
-        </p:blipFill>
-        <p:spPr>
-          <a:xfrm>
-            <a:off x="1741170" y="3188000"/>
-            <a:ext cx="5661660" cy="1501140"/>
-          </a:xfrm>
-          <a:prstGeom prst="rect">
-            <a:avLst/>
-          </a:prstGeom>
-        </p:spPr>
-      </p:pic>
-      <p:pic>
-        <p:nvPicPr>
-          <p:cNvPr id="5" name=""/>
-          <p:cNvPicPr>
-            <a:picLocks noChangeAspect="1"/>
-          </p:cNvPicPr>
-          <p:nvPr/>
-        </p:nvPicPr>
-        <p:blipFill rotWithShape="1">
-          <a:blip r:embed="rId4"/>
-          <a:stretch>
-            <a:fillRect/>
-          </a:stretch>
-        </p:blipFill>
-        <p:spPr>
-          <a:xfrm>
-            <a:off x="2892552" y="5036020"/>
-            <a:ext cx="3358895" cy="1129283"/>
-          </a:xfrm>
-          <a:prstGeom prst="rect">
-            <a:avLst/>
-          </a:prstGeom>
-        </p:spPr>
-      </p:pic>
-      <p:pic>
-        <p:nvPicPr>
-          <p:cNvPr id="6" name=""/>
-          <p:cNvPicPr>
-            <a:picLocks noChangeAspect="1"/>
-          </p:cNvPicPr>
-          <p:nvPr/>
-        </p:nvPicPr>
-        <p:blipFill rotWithShape="1">
-          <a:blip r:embed="rId5"/>
-          <a:stretch>
-            <a:fillRect/>
-          </a:stretch>
-        </p:blipFill>
-        <p:spPr>
-          <a:xfrm>
-            <a:off x="2354580" y="5949280"/>
-            <a:ext cx="4434839" cy="647700"/>
+            <a:off x="2533650" y="2240868"/>
+            <a:ext cx="4076700" cy="899160"/>
           </a:xfrm>
           <a:prstGeom prst="rect">
             <a:avLst/>
@@ -3487,130 +3685,15 @@
             </a:pPr>
             <a:r>
               <a:rPr lang="en-US" altLang="ko-KR"/>
-              <a:t>SGD</a:t>
+              <a:t>Manifold</a:t>
             </a:r>
             <a:endParaRPr lang="en-US" altLang="ko-KR"/>
-          </a:p>
-        </p:txBody>
-      </p:sp>
-      <p:sp>
-        <p:nvSpPr>
-          <p:cNvPr id="3" name=""/>
-          <p:cNvSpPr txBox="1"/>
-          <p:nvPr/>
-        </p:nvSpPr>
-        <p:spPr>
-          <a:xfrm>
-            <a:off x="899592" y="1412776"/>
-            <a:ext cx="7488832" cy="1461869"/>
-          </a:xfrm>
-          <a:prstGeom prst="rect">
-            <a:avLst/>
-          </a:prstGeom>
-        </p:spPr>
-        <p:txBody>
-          <a:bodyPr wrap="square">
-            <a:spAutoFit/>
-          </a:bodyPr>
-          <a:p>
-            <a:pPr>
-              <a:defRPr/>
-            </a:pPr>
-            <a:r>
-              <a:rPr lang="en-US" altLang="ko-KR"/>
-              <a:t>● </a:t>
-            </a:r>
-            <a:r>
-              <a:rPr lang="ko-KR" altLang="en-US"/>
-              <a:t>장점</a:t>
-            </a:r>
-            <a:endParaRPr lang="ko-KR" altLang="en-US"/>
-          </a:p>
-          <a:p>
-            <a:pPr>
-              <a:defRPr/>
-            </a:pPr>
-            <a:endParaRPr lang="ko-KR" altLang="en-US"/>
-          </a:p>
-          <a:p>
-            <a:pPr>
-              <a:defRPr/>
-            </a:pPr>
-            <a:endParaRPr lang="ko-KR" altLang="en-US"/>
-          </a:p>
-          <a:p>
-            <a:pPr>
-              <a:defRPr/>
-            </a:pPr>
-            <a:r>
-              <a:rPr lang="en-US" altLang="ko-KR"/>
-              <a:t>-</a:t>
-            </a:r>
-            <a:r>
-              <a:rPr lang="ko-KR" altLang="en-US"/>
-              <a:t> </a:t>
-            </a:r>
-            <a:r>
-              <a:rPr lang="en-US" altLang="ko-KR"/>
-              <a:t>SGD</a:t>
-            </a:r>
-            <a:r>
-              <a:rPr lang="ko-KR" altLang="en-US"/>
-              <a:t>의 </a:t>
-            </a:r>
-            <a:r>
-              <a:rPr lang="en-US" altLang="ko-KR"/>
-              <a:t>cost</a:t>
-            </a:r>
-            <a:r>
-              <a:rPr lang="ko-KR" altLang="en-US"/>
-              <a:t>는 </a:t>
-            </a:r>
-            <a:r>
-              <a:rPr lang="en-US" altLang="ko-KR"/>
-              <a:t>training data size m</a:t>
-            </a:r>
-            <a:r>
-              <a:rPr lang="ko-KR" altLang="en-US"/>
-              <a:t>에 상관 없이 </a:t>
-            </a:r>
-            <a:r>
-              <a:rPr lang="en-US" altLang="ko-KR"/>
-              <a:t>m’</a:t>
-            </a:r>
-            <a:r>
-              <a:rPr lang="ko-KR" altLang="en-US"/>
-              <a:t>에 의존적</a:t>
-            </a:r>
-            <a:endParaRPr lang="ko-KR" altLang="en-US"/>
-          </a:p>
-          <a:p>
-            <a:pPr>
-              <a:defRPr/>
-            </a:pPr>
-            <a:r>
-              <a:rPr lang="en-US" altLang="ko-KR"/>
-              <a:t>-</a:t>
-            </a:r>
-            <a:r>
-              <a:rPr lang="ko-KR" altLang="en-US"/>
-              <a:t> 모든 데이터를 학습하기 전에 </a:t>
-            </a:r>
-            <a:r>
-              <a:rPr lang="en-US" altLang="ko-KR"/>
-              <a:t>test </a:t>
-            </a:r>
-            <a:r>
-              <a:rPr lang="ko-KR" altLang="en-US"/>
-              <a:t>오류를 최적화</a:t>
-            </a:r>
-            <a:endParaRPr lang="ko-KR" altLang="en-US"/>
           </a:p>
         </p:txBody>
       </p:sp>
       <p:pic>
         <p:nvPicPr>
-          <p:cNvPr id="4" name=""/>
+          <p:cNvPr id="7" name=""/>
           <p:cNvPicPr>
             <a:picLocks noChangeAspect="1"/>
           </p:cNvPicPr>
@@ -3624,56 +3707,8 @@
         </p:blipFill>
         <p:spPr>
           <a:xfrm>
-            <a:off x="1672590" y="3450900"/>
-            <a:ext cx="5798820" cy="518160"/>
-          </a:xfrm>
-          <a:prstGeom prst="rect">
-            <a:avLst/>
-          </a:prstGeom>
-        </p:spPr>
-      </p:pic>
-      <p:pic>
-        <p:nvPicPr>
-          <p:cNvPr id="5" name=""/>
-          <p:cNvPicPr>
-            <a:picLocks noChangeAspect="1"/>
-          </p:cNvPicPr>
-          <p:nvPr/>
-        </p:nvPicPr>
-        <p:blipFill rotWithShape="1">
-          <a:blip r:embed="rId3"/>
-          <a:stretch>
-            <a:fillRect/>
-          </a:stretch>
-        </p:blipFill>
-        <p:spPr>
-          <a:xfrm>
-            <a:off x="2522220" y="4178600"/>
-            <a:ext cx="4099559" cy="510540"/>
-          </a:xfrm>
-          <a:prstGeom prst="rect">
-            <a:avLst/>
-          </a:prstGeom>
-        </p:spPr>
-      </p:pic>
-      <p:pic>
-        <p:nvPicPr>
-          <p:cNvPr id="6" name=""/>
-          <p:cNvPicPr>
-            <a:picLocks noChangeAspect="1"/>
-          </p:cNvPicPr>
-          <p:nvPr/>
-        </p:nvPicPr>
-        <p:blipFill rotWithShape="1">
-          <a:blip r:embed="rId4"/>
-          <a:stretch>
-            <a:fillRect/>
-          </a:stretch>
-        </p:blipFill>
-        <p:spPr>
-          <a:xfrm>
-            <a:off x="4103370" y="5373216"/>
-            <a:ext cx="937259" cy="533400"/>
+            <a:off x="2049779" y="2091690"/>
+            <a:ext cx="5044440" cy="2674619"/>
           </a:xfrm>
           <a:prstGeom prst="rect">
             <a:avLst/>
@@ -3733,339 +3768,15 @@
             </a:pPr>
             <a:r>
               <a:rPr lang="en-US" altLang="ko-KR"/>
-              <a:t>SGD</a:t>
+              <a:t>Manifold</a:t>
             </a:r>
             <a:endParaRPr lang="en-US" altLang="ko-KR"/>
           </a:p>
         </p:txBody>
       </p:sp>
-      <p:sp>
-        <p:nvSpPr>
-          <p:cNvPr id="3" name=""/>
-          <p:cNvSpPr txBox="1"/>
-          <p:nvPr/>
-        </p:nvSpPr>
-        <p:spPr>
-          <a:xfrm>
-            <a:off x="899592" y="1412776"/>
-            <a:ext cx="7488832" cy="1642843"/>
-          </a:xfrm>
-          <a:prstGeom prst="rect">
-            <a:avLst/>
-          </a:prstGeom>
-        </p:spPr>
-        <p:txBody>
-          <a:bodyPr wrap="square">
-            <a:spAutoFit/>
-          </a:bodyPr>
-          <a:p>
-            <a:pPr>
-              <a:defRPr/>
-            </a:pPr>
-            <a:r>
-              <a:rPr lang="en-US" altLang="ko-KR"/>
-              <a:t>● </a:t>
-            </a:r>
-            <a:r>
-              <a:rPr lang="ko-KR" altLang="en-US"/>
-              <a:t>단점</a:t>
-            </a:r>
-            <a:endParaRPr lang="ko-KR" altLang="en-US"/>
-          </a:p>
-          <a:p>
-            <a:pPr>
-              <a:defRPr/>
-            </a:pPr>
-            <a:endParaRPr lang="ko-KR" altLang="en-US"/>
-          </a:p>
-          <a:p>
-            <a:pPr>
-              <a:defRPr/>
-            </a:pPr>
-            <a:endParaRPr lang="ko-KR" altLang="en-US" sz="2200"/>
-          </a:p>
-          <a:p>
-            <a:pPr>
-              <a:defRPr/>
-            </a:pPr>
-            <a:r>
-              <a:rPr lang="en-US" altLang="ko-KR" sz="2200"/>
-              <a:t>-</a:t>
-            </a:r>
-            <a:r>
-              <a:rPr lang="ko-KR" altLang="en-US" sz="2200"/>
-              <a:t> </a:t>
-            </a:r>
-            <a:r>
-              <a:rPr lang="en-US" altLang="ko-KR" sz="2200"/>
-              <a:t>Anisotropy</a:t>
-            </a:r>
-            <a:endParaRPr lang="en-US" altLang="ko-KR" sz="2200"/>
-          </a:p>
-          <a:p>
-            <a:pPr>
-              <a:defRPr/>
-            </a:pPr>
-            <a:r>
-              <a:rPr lang="en-US" altLang="ko-KR" sz="2200"/>
-              <a:t>- local minima</a:t>
-            </a:r>
-            <a:endParaRPr lang="en-US" altLang="ko-KR" sz="2200"/>
-          </a:p>
-        </p:txBody>
-      </p:sp>
-    </p:spTree>
-  </p:cSld>
-  <p:clrMapOvr>
-    <a:masterClrMapping/>
-  </p:clrMapOvr>
-  <mc:AlternateContent xmlns:mc="http://schemas.openxmlformats.org/markup-compatibility/2006">
-    <mc:Choice xmlns:p14="http://schemas.microsoft.com/office/powerpoint/2010/main" Requires="p14">
-      <p:transition xmlns:mc="http://schemas.openxmlformats.org/markup-compatibility/2006" xmlns:p14="http://schemas.microsoft.com/office/powerpoint/2010/main" mc:Ignorable="p14" p14:dur="500"/>
-    </mc:Choice>
-    <mc:Fallback>
-      <p:transition/>
-    </mc:Fallback>
-  </mc:AlternateContent>
-</p:sld>
-</file>
-
-<file path=ppt/slides/slide8.xml><?xml version="1.0" encoding="utf-8"?>
-<p:sld xmlns:r="http://schemas.openxmlformats.org/officeDocument/2006/relationships" xmlns:c="http://schemas.openxmlformats.org/drawingml/2006/chart" xmlns:a="http://schemas.openxmlformats.org/drawingml/2006/main" xmlns:dgm="http://schemas.openxmlformats.org/drawingml/2006/diagram" xmlns:dsp="http://schemas.microsoft.com/office/drawing/2008/diagram" xmlns:p="http://schemas.openxmlformats.org/presentationml/2006/main">
-  <p:cSld>
-    <p:spTree>
-      <p:nvGrpSpPr>
-        <p:cNvPr id="1" name=""/>
-        <p:cNvGrpSpPr/>
-        <p:nvPr/>
-      </p:nvGrpSpPr>
-      <p:grpSpPr>
-        <a:xfrm>
-          <a:off x="0" y="0"/>
-          <a:ext cx="0" cy="0"/>
-          <a:chOff x="0" y="0"/>
-          <a:chExt cx="0" cy="0"/>
-        </a:xfrm>
-      </p:grpSpPr>
-      <p:sp>
-        <p:nvSpPr>
-          <p:cNvPr id="2" name="제목 1"/>
-          <p:cNvSpPr>
-            <a:spLocks noGrp="1"/>
-          </p:cNvSpPr>
-          <p:nvPr>
-            <p:ph type="ctrTitle" idx="13"/>
-          </p:nvPr>
-        </p:nvSpPr>
-        <p:spPr/>
-        <p:txBody>
-          <a:bodyPr/>
-          <a:lstStyle/>
-          <a:p>
-            <a:pPr>
-              <a:defRPr/>
-            </a:pPr>
-            <a:r>
-              <a:rPr lang="en-US" altLang="ko-KR"/>
-              <a:t>SGD</a:t>
-            </a:r>
-            <a:endParaRPr lang="en-US" altLang="ko-KR"/>
-          </a:p>
-        </p:txBody>
-      </p:sp>
-      <p:sp>
-        <p:nvSpPr>
-          <p:cNvPr id="3" name=""/>
-          <p:cNvSpPr txBox="1"/>
-          <p:nvPr/>
-        </p:nvSpPr>
-        <p:spPr>
-          <a:xfrm>
-            <a:off x="899592" y="1412776"/>
-            <a:ext cx="7488832" cy="642719"/>
-          </a:xfrm>
-          <a:prstGeom prst="rect">
-            <a:avLst/>
-          </a:prstGeom>
-        </p:spPr>
-        <p:txBody>
-          <a:bodyPr wrap="square">
-            <a:spAutoFit/>
-          </a:bodyPr>
-          <a:p>
-            <a:pPr>
-              <a:defRPr/>
-            </a:pPr>
-            <a:r>
-              <a:rPr lang="en-US" altLang="ko-KR"/>
-              <a:t>● </a:t>
-            </a:r>
-            <a:r>
-              <a:rPr lang="ko-KR" altLang="en-US"/>
-              <a:t>단점</a:t>
-            </a:r>
-            <a:endParaRPr lang="ko-KR" altLang="en-US"/>
-          </a:p>
-          <a:p>
-            <a:pPr>
-              <a:defRPr/>
-            </a:pPr>
-            <a:endParaRPr lang="ko-KR" altLang="en-US"/>
-          </a:p>
-        </p:txBody>
-      </p:sp>
-      <p:pic>
-        <p:nvPicPr>
-          <p:cNvPr id="7" name=""/>
-          <p:cNvPicPr>
-            <a:picLocks noChangeAspect="1"/>
-          </p:cNvPicPr>
-          <p:nvPr/>
-        </p:nvPicPr>
-        <p:blipFill rotWithShape="1">
-          <a:blip r:embed="rId2"/>
-          <a:srcRect t="15670" b="2060"/>
-          <a:stretch>
-            <a:fillRect/>
-          </a:stretch>
-        </p:blipFill>
-        <p:spPr>
-          <a:xfrm>
-            <a:off x="2555776" y="1052736"/>
-            <a:ext cx="4707794" cy="4212468"/>
-          </a:xfrm>
-          <a:prstGeom prst="rect">
-            <a:avLst/>
-          </a:prstGeom>
-        </p:spPr>
-      </p:pic>
       <p:pic>
         <p:nvPicPr>
           <p:cNvPr id="8" name=""/>
-          <p:cNvPicPr>
-            <a:picLocks noChangeAspect="1"/>
-          </p:cNvPicPr>
-          <p:nvPr/>
-        </p:nvPicPr>
-        <p:blipFill rotWithShape="1">
-          <a:blip r:embed="rId3"/>
-          <a:stretch>
-            <a:fillRect/>
-          </a:stretch>
-        </p:blipFill>
-        <p:spPr>
-          <a:xfrm>
-            <a:off x="527193" y="4301833"/>
-            <a:ext cx="8089614" cy="2511543"/>
-          </a:xfrm>
-          <a:prstGeom prst="rect">
-            <a:avLst/>
-          </a:prstGeom>
-        </p:spPr>
-      </p:pic>
-    </p:spTree>
-  </p:cSld>
-  <p:clrMapOvr>
-    <a:masterClrMapping/>
-  </p:clrMapOvr>
-  <mc:AlternateContent xmlns:mc="http://schemas.openxmlformats.org/markup-compatibility/2006">
-    <mc:Choice xmlns:p14="http://schemas.microsoft.com/office/powerpoint/2010/main" Requires="p14">
-      <p:transition xmlns:mc="http://schemas.openxmlformats.org/markup-compatibility/2006" xmlns:p14="http://schemas.microsoft.com/office/powerpoint/2010/main" mc:Ignorable="p14" p14:dur="500"/>
-    </mc:Choice>
-    <mc:Fallback>
-      <p:transition/>
-    </mc:Fallback>
-  </mc:AlternateContent>
-</p:sld>
-</file>
-
-<file path=ppt/slides/slide9.xml><?xml version="1.0" encoding="utf-8"?>
-<p:sld xmlns:r="http://schemas.openxmlformats.org/officeDocument/2006/relationships" xmlns:c="http://schemas.openxmlformats.org/drawingml/2006/chart" xmlns:a="http://schemas.openxmlformats.org/drawingml/2006/main" xmlns:dgm="http://schemas.openxmlformats.org/drawingml/2006/diagram" xmlns:dsp="http://schemas.microsoft.com/office/drawing/2008/diagram" xmlns:p="http://schemas.openxmlformats.org/presentationml/2006/main">
-  <p:cSld>
-    <p:spTree>
-      <p:nvGrpSpPr>
-        <p:cNvPr id="1" name=""/>
-        <p:cNvGrpSpPr/>
-        <p:nvPr/>
-      </p:nvGrpSpPr>
-      <p:grpSpPr>
-        <a:xfrm>
-          <a:off x="0" y="0"/>
-          <a:ext cx="0" cy="0"/>
-          <a:chOff x="0" y="0"/>
-          <a:chExt cx="0" cy="0"/>
-        </a:xfrm>
-      </p:grpSpPr>
-      <p:sp>
-        <p:nvSpPr>
-          <p:cNvPr id="2" name="제목 1"/>
-          <p:cNvSpPr>
-            <a:spLocks noGrp="1"/>
-          </p:cNvSpPr>
-          <p:nvPr>
-            <p:ph type="ctrTitle" idx="13"/>
-          </p:nvPr>
-        </p:nvSpPr>
-        <p:spPr/>
-        <p:txBody>
-          <a:bodyPr/>
-          <a:lstStyle/>
-          <a:p>
-            <a:pPr>
-              <a:defRPr/>
-            </a:pPr>
-            <a:r>
-              <a:rPr lang="en-US" altLang="ko-KR"/>
-              <a:t>SGD</a:t>
-            </a:r>
-            <a:endParaRPr lang="en-US" altLang="ko-KR"/>
-          </a:p>
-        </p:txBody>
-      </p:sp>
-      <p:sp>
-        <p:nvSpPr>
-          <p:cNvPr id="3" name=""/>
-          <p:cNvSpPr txBox="1"/>
-          <p:nvPr/>
-        </p:nvSpPr>
-        <p:spPr>
-          <a:xfrm>
-            <a:off x="899592" y="1412776"/>
-            <a:ext cx="7488832" cy="642719"/>
-          </a:xfrm>
-          <a:prstGeom prst="rect">
-            <a:avLst/>
-          </a:prstGeom>
-        </p:spPr>
-        <p:txBody>
-          <a:bodyPr wrap="square">
-            <a:spAutoFit/>
-          </a:bodyPr>
-          <a:p>
-            <a:pPr>
-              <a:defRPr/>
-            </a:pPr>
-            <a:r>
-              <a:rPr lang="en-US" altLang="ko-KR"/>
-              <a:t>● </a:t>
-            </a:r>
-            <a:r>
-              <a:rPr lang="ko-KR" altLang="en-US"/>
-              <a:t>단점</a:t>
-            </a:r>
-            <a:endParaRPr lang="ko-KR" altLang="en-US"/>
-          </a:p>
-          <a:p>
-            <a:pPr>
-              <a:defRPr/>
-            </a:pPr>
-            <a:endParaRPr lang="ko-KR" altLang="en-US"/>
-          </a:p>
-        </p:txBody>
-      </p:sp>
-      <p:pic>
-        <p:nvPicPr>
-          <p:cNvPr id="9" name=""/>
           <p:cNvPicPr>
             <a:picLocks noChangeAspect="1"/>
           </p:cNvPicPr>
@@ -4079,8 +3790,8 @@
         </p:blipFill>
         <p:spPr>
           <a:xfrm>
-            <a:off x="2048508" y="2528900"/>
-            <a:ext cx="5046984" cy="3214982"/>
+            <a:off x="2447764" y="1268760"/>
+            <a:ext cx="4351743" cy="5418677"/>
           </a:xfrm>
           <a:prstGeom prst="rect">
             <a:avLst/>

--- a/files/presentation/ppt/5.11 Challenges Motivating Deep Learning.pptx
+++ b/files/presentation/ppt/5.11 Challenges Motivating Deep Learning.pptx
@@ -2,7 +2,7 @@
 <file path=ppt/presentation.xml><?xml version="1.0" encoding="utf-8"?>
 <p:presentation xmlns:r="http://schemas.openxmlformats.org/officeDocument/2006/relationships" xmlns:c="http://schemas.openxmlformats.org/drawingml/2006/chart" xmlns:a="http://schemas.openxmlformats.org/drawingml/2006/main" xmlns:dgm="http://schemas.openxmlformats.org/drawingml/2006/diagram" xmlns:dsp="http://schemas.microsoft.com/office/drawing/2008/diagram" xmlns:p="http://schemas.openxmlformats.org/presentationml/2006/main">
   <p:sldMasterIdLst>
-    <p:sldMasterId id="2147483952" r:id="rId1"/>
+    <p:sldMasterId id="2147483945" r:id="rId1"/>
   </p:sldMasterIdLst>
   <p:notesMasterIdLst>
     <p:notesMasterId r:id="rId2"/>
@@ -18,6 +18,7 @@
     <p:sldId id="260" r:id="rId8"/>
     <p:sldId id="261" r:id="rId9"/>
     <p:sldId id="262" r:id="rId10"/>
+    <p:sldId id="263" r:id="rId11"/>
   </p:sldIdLst>
   <p:sldSz cx="9144000" cy="6858000" type="screen4x3"/>
   <p:notesSz cx="6858000" cy="9144000"/>
@@ -3027,144 +3028,30 @@
           </a:p>
         </p:txBody>
       </p:sp>
-      <p:sp>
-        <p:nvSpPr>
-          <p:cNvPr id="3" name=""/>
-          <p:cNvSpPr txBox="1"/>
+      <p:pic>
+        <p:nvPicPr>
+          <p:cNvPr id="5" name=""/>
+          <p:cNvPicPr>
+            <a:picLocks noChangeAspect="1"/>
+          </p:cNvPicPr>
           <p:nvPr/>
-        </p:nvSpPr>
-        <p:spPr>
-          <a:xfrm>
-            <a:off x="1259632" y="2298541"/>
-            <a:ext cx="6876764" cy="3110679"/>
+        </p:nvPicPr>
+        <p:blipFill rotWithShape="1">
+          <a:blip r:embed="rId2"/>
+          <a:stretch>
+            <a:fillRect/>
+          </a:stretch>
+        </p:blipFill>
+        <p:spPr>
+          <a:xfrm>
+            <a:off x="1150620" y="2118360"/>
+            <a:ext cx="6842759" cy="2621279"/>
           </a:xfrm>
           <a:prstGeom prst="rect">
             <a:avLst/>
           </a:prstGeom>
         </p:spPr>
-        <p:txBody>
-          <a:bodyPr wrap="square">
-            <a:spAutoFit/>
-          </a:bodyPr>
-          <a:p>
-            <a:pPr>
-              <a:defRPr/>
-            </a:pPr>
-            <a:r>
-              <a:rPr lang="ko-KR" altLang="en-US"/>
-              <a:t>차원을 줄이는 알고리즘</a:t>
-            </a:r>
-            <a:endParaRPr lang="ko-KR" altLang="en-US"/>
-          </a:p>
-          <a:p>
-            <a:pPr>
-              <a:defRPr/>
-            </a:pPr>
-            <a:endParaRPr lang="ko-KR" altLang="en-US"/>
-          </a:p>
-          <a:p>
-            <a:pPr>
-              <a:defRPr/>
-            </a:pPr>
-            <a:endParaRPr lang="ko-KR" altLang="en-US"/>
-          </a:p>
-          <a:p>
-            <a:pPr>
-              <a:defRPr/>
-            </a:pPr>
-            <a:endParaRPr lang="ko-KR" altLang="en-US"/>
-          </a:p>
-          <a:p>
-            <a:pPr>
-              <a:defRPr/>
-            </a:pPr>
-            <a:r>
-              <a:rPr lang="en-US" altLang="ko-KR"/>
-              <a:t>- PCA(Principal Component Analysis)</a:t>
-            </a:r>
-            <a:endParaRPr lang="en-US" altLang="ko-KR"/>
-          </a:p>
-          <a:p>
-            <a:pPr>
-              <a:defRPr/>
-            </a:pPr>
-            <a:endParaRPr lang="en-US" altLang="ko-KR"/>
-          </a:p>
-          <a:p>
-            <a:pPr>
-              <a:defRPr/>
-            </a:pPr>
-            <a:r>
-              <a:rPr lang="en-US" altLang="ko-KR"/>
-              <a:t>- LAD(Linear Discriminant Analysis)</a:t>
-            </a:r>
-            <a:endParaRPr lang="en-US" altLang="ko-KR"/>
-          </a:p>
-          <a:p>
-            <a:pPr>
-              <a:defRPr/>
-            </a:pPr>
-            <a:endParaRPr lang="en-US" altLang="ko-KR"/>
-          </a:p>
-          <a:p>
-            <a:pPr>
-              <a:defRPr/>
-            </a:pPr>
-            <a:r>
-              <a:rPr lang="en-US" altLang="ko-KR"/>
-              <a:t>- LLE(Locally Linear Embedding)</a:t>
-            </a:r>
-            <a:endParaRPr lang="en-US" altLang="ko-KR"/>
-          </a:p>
-          <a:p>
-            <a:pPr>
-              <a:defRPr/>
-            </a:pPr>
-            <a:endParaRPr lang="en-US" altLang="ko-KR"/>
-          </a:p>
-          <a:p>
-            <a:pPr>
-              <a:defRPr/>
-            </a:pPr>
-            <a:r>
-              <a:rPr lang="en-US" altLang="ko-KR"/>
-              <a:t>- MDS(Multidimensional Scaling)</a:t>
-            </a:r>
-            <a:endParaRPr lang="en-US" altLang="ko-KR"/>
-          </a:p>
-        </p:txBody>
-      </p:sp>
-      <p:sp>
-        <p:nvSpPr>
-          <p:cNvPr id="5" name=""/>
-          <p:cNvSpPr txBox="1"/>
-          <p:nvPr/>
-        </p:nvSpPr>
-        <p:spPr>
-          <a:xfrm>
-            <a:off x="629562" y="1232756"/>
-            <a:ext cx="3942438" cy="413164"/>
-          </a:xfrm>
-          <a:prstGeom prst="rect">
-            <a:avLst/>
-          </a:prstGeom>
-        </p:spPr>
-        <p:txBody>
-          <a:bodyPr wrap="square">
-            <a:spAutoFit/>
-          </a:bodyPr>
-          <a:p>
-            <a:pPr>
-              <a:defRPr/>
-            </a:pPr>
-            <a:r>
-              <a:rPr lang="ko-KR" altLang="en-US" sz="2100"/>
-              <a:t>차원의 저주 피하기</a:t>
-            </a:r>
-            <a:endParaRPr lang="ko-KR" altLang="en-US" sz="2100"/>
-          </a:p>
-        </p:txBody>
-      </p:sp>
+      </p:pic>
     </p:spTree>
   </p:cSld>
   <p:clrMapOvr>
@@ -3210,9 +3097,7 @@
         </p:nvSpPr>
         <p:spPr/>
         <p:txBody>
-          <a:bodyPr>
-            <a:normAutofit fontScale="90000"/>
-          </a:bodyPr>
+          <a:bodyPr/>
           <a:lstStyle/>
           <a:p>
             <a:pPr>
@@ -3220,7 +3105,7 @@
             </a:pPr>
             <a:r>
               <a:rPr lang="en-US" altLang="ko-KR"/>
-              <a:t>Local Constancy, Smoothness Regularization</a:t>
+              <a:t>Curse of Dimensionlity</a:t>
             </a:r>
             <a:endParaRPr lang="en-US" altLang="ko-KR"/>
           </a:p>
@@ -3234,8 +3119,8 @@
         </p:nvSpPr>
         <p:spPr>
           <a:xfrm>
-            <a:off x="1115616" y="1628800"/>
-            <a:ext cx="7308812" cy="902945"/>
+            <a:off x="1259632" y="2298541"/>
+            <a:ext cx="6876764" cy="3110679"/>
           </a:xfrm>
           <a:prstGeom prst="rect">
             <a:avLst/>
@@ -3250,8 +3135,84 @@
               <a:defRPr/>
             </a:pPr>
             <a:r>
+              <a:rPr lang="ko-KR" altLang="en-US"/>
+              <a:t>차원을 줄이는 알고리즘</a:t>
+            </a:r>
+            <a:endParaRPr lang="ko-KR" altLang="en-US"/>
+          </a:p>
+          <a:p>
+            <a:pPr>
+              <a:defRPr/>
+            </a:pPr>
+            <a:endParaRPr lang="ko-KR" altLang="en-US"/>
+          </a:p>
+          <a:p>
+            <a:pPr>
+              <a:defRPr/>
+            </a:pPr>
+            <a:endParaRPr lang="ko-KR" altLang="en-US"/>
+          </a:p>
+          <a:p>
+            <a:pPr>
+              <a:defRPr/>
+            </a:pPr>
+            <a:endParaRPr lang="ko-KR" altLang="en-US"/>
+          </a:p>
+          <a:p>
+            <a:pPr>
+              <a:defRPr/>
+            </a:pPr>
+            <a:r>
               <a:rPr lang="en-US" altLang="ko-KR"/>
-              <a:t>In order to generalize well, machine learning algorithms need to be guided by prior beliefs about what kind of function they should learn.</a:t>
+              <a:t>- PCA(Principal Component Analysis)</a:t>
+            </a:r>
+            <a:endParaRPr lang="en-US" altLang="ko-KR"/>
+          </a:p>
+          <a:p>
+            <a:pPr>
+              <a:defRPr/>
+            </a:pPr>
+            <a:endParaRPr lang="en-US" altLang="ko-KR"/>
+          </a:p>
+          <a:p>
+            <a:pPr>
+              <a:defRPr/>
+            </a:pPr>
+            <a:r>
+              <a:rPr lang="en-US" altLang="ko-KR"/>
+              <a:t>- LAD(Linear Discriminant Analysis)</a:t>
+            </a:r>
+            <a:endParaRPr lang="en-US" altLang="ko-KR"/>
+          </a:p>
+          <a:p>
+            <a:pPr>
+              <a:defRPr/>
+            </a:pPr>
+            <a:endParaRPr lang="en-US" altLang="ko-KR"/>
+          </a:p>
+          <a:p>
+            <a:pPr>
+              <a:defRPr/>
+            </a:pPr>
+            <a:r>
+              <a:rPr lang="en-US" altLang="ko-KR"/>
+              <a:t>- LLE(Locally Linear Embedding)</a:t>
+            </a:r>
+            <a:endParaRPr lang="en-US" altLang="ko-KR"/>
+          </a:p>
+          <a:p>
+            <a:pPr>
+              <a:defRPr/>
+            </a:pPr>
+            <a:endParaRPr lang="en-US" altLang="ko-KR"/>
+          </a:p>
+          <a:p>
+            <a:pPr>
+              <a:defRPr/>
+            </a:pPr>
+            <a:r>
+              <a:rPr lang="en-US" altLang="ko-KR"/>
+              <a:t>- MDS(Multidimensional Scaling)</a:t>
             </a:r>
             <a:endParaRPr lang="en-US" altLang="ko-KR"/>
           </a:p>
@@ -3265,8 +3226,8 @@
         </p:nvSpPr>
         <p:spPr>
           <a:xfrm>
-            <a:off x="1115616" y="3130528"/>
-            <a:ext cx="7308812" cy="1182392"/>
+            <a:off x="629562" y="1232756"/>
+            <a:ext cx="3942438" cy="413164"/>
           </a:xfrm>
           <a:prstGeom prst="rect">
             <a:avLst/>
@@ -3277,184 +3238,14 @@
             <a:spAutoFit/>
           </a:bodyPr>
           <a:p>
-            <a:pPr marL="0" indent="0" algn="l" defTabSz="914400" rtl="0" eaLnBrk="1" latinLnBrk="1" hangingPunct="1">
-              <a:lnSpc>
-                <a:spcPct val="100000"/>
-              </a:lnSpc>
-              <a:spcBef>
-                <a:spcPct val="0"/>
-              </a:spcBef>
-              <a:spcAft>
-                <a:spcPts val="0"/>
-              </a:spcAft>
-              <a:buNone/>
-              <a:defRPr/>
-            </a:pPr>
-            <a:r>
-              <a:rPr xmlns:mc="http://schemas.openxmlformats.org/markup-compatibility/2006" xmlns:hp="http://schemas.haansoft.com/office/presentation/8.0" kumimoji="0" lang="ko-KR" altLang="en-US" sz="1800" b="0" i="0" u="none" strike="noStrike" kern="1200" cap="none" spc="0" normalizeH="0" baseline="0" mc:Ignorable="hp" hp:hslEmbossed="0">
-                <a:solidFill>
-                  <a:srgbClr val="000000"/>
-                </a:solidFill>
-                <a:latin typeface="함초롬돋움"/>
-                <a:ea typeface="함초롬돋움"/>
-                <a:cs typeface="Times New Roman"/>
-              </a:rPr>
-              <a:t>학습하는 함수들의 </a:t>
-            </a:r>
-            <a:r>
-              <a:rPr xmlns:mc="http://schemas.openxmlformats.org/markup-compatibility/2006" xmlns:hp="http://schemas.haansoft.com/office/presentation/8.0" kumimoji="0" lang="en-US" altLang="ko-KR" sz="1800" b="0" i="0" u="none" strike="noStrike" kern="1200" cap="none" spc="0" normalizeH="0" baseline="0" mc:Ignorable="hp" hp:hslEmbossed="0">
-                <a:solidFill>
-                  <a:srgbClr val="000000"/>
-                </a:solidFill>
-                <a:latin typeface="함초롬돋움"/>
-                <a:ea typeface="함초롬돋움"/>
-                <a:cs typeface="Times New Roman"/>
-              </a:rPr>
-              <a:t>prior belief</a:t>
-            </a:r>
-            <a:r>
-              <a:rPr xmlns:mc="http://schemas.openxmlformats.org/markup-compatibility/2006" xmlns:hp="http://schemas.haansoft.com/office/presentation/8.0" kumimoji="0" lang="ko-KR" altLang="en-US" sz="1800" b="0" i="0" u="none" strike="noStrike" kern="1200" cap="none" spc="0" normalizeH="0" baseline="0" mc:Ignorable="hp" hp:hslEmbossed="0">
-                <a:solidFill>
-                  <a:srgbClr val="000000"/>
-                </a:solidFill>
-                <a:latin typeface="함초롬돋움"/>
-                <a:ea typeface="함초롬돋움"/>
-                <a:cs typeface="Times New Roman"/>
-              </a:rPr>
-              <a:t>에 의해 특성이 달라진다</a:t>
-            </a:r>
-            <a:r>
-              <a:rPr xmlns:mc="http://schemas.openxmlformats.org/markup-compatibility/2006" xmlns:hp="http://schemas.haansoft.com/office/presentation/8.0" kumimoji="0" lang="en-US" altLang="ko-KR" sz="1800" b="0" i="0" u="none" strike="noStrike" kern="1200" cap="none" spc="0" normalizeH="0" baseline="0" mc:Ignorable="hp" hp:hslEmbossed="0">
-                <a:solidFill>
-                  <a:srgbClr val="000000"/>
-                </a:solidFill>
-                <a:latin typeface="함초롬돋움"/>
-                <a:ea typeface="함초롬돋움"/>
-                <a:cs typeface="Times New Roman"/>
-              </a:rPr>
-              <a:t>.</a:t>
-            </a:r>
-            <a:endParaRPr xmlns:mc="http://schemas.openxmlformats.org/markup-compatibility/2006" xmlns:hp="http://schemas.haansoft.com/office/presentation/8.0" kumimoji="0" lang="en-US" altLang="ko-KR" sz="1800" b="0" i="0" u="none" strike="noStrike" kern="1200" cap="none" spc="0" normalizeH="0" baseline="0" mc:Ignorable="hp" hp:hslEmbossed="0">
-              <a:solidFill>
-                <a:srgbClr val="000000"/>
-              </a:solidFill>
-              <a:latin typeface="함초롬돋움"/>
-              <a:ea typeface="함초롬돋움"/>
-              <a:cs typeface="Times New Roman"/>
-            </a:endParaRPr>
-          </a:p>
-          <a:p>
-            <a:pPr marL="0" indent="0" algn="l" defTabSz="914400" rtl="0" eaLnBrk="1" latinLnBrk="1" hangingPunct="1">
-              <a:lnSpc>
-                <a:spcPct val="100000"/>
-              </a:lnSpc>
-              <a:spcBef>
-                <a:spcPct val="0"/>
-              </a:spcBef>
-              <a:spcAft>
-                <a:spcPts val="0"/>
-              </a:spcAft>
-              <a:buNone/>
-              <a:defRPr/>
-            </a:pPr>
-            <a:endParaRPr xmlns:mc="http://schemas.openxmlformats.org/markup-compatibility/2006" xmlns:hp="http://schemas.haansoft.com/office/presentation/8.0" kumimoji="0" lang="en-US" altLang="ko-KR" sz="1800" b="0" i="0" u="none" strike="noStrike" kern="1200" cap="none" spc="0" normalizeH="0" baseline="0" mc:Ignorable="hp" hp:hslEmbossed="0">
-              <a:solidFill>
-                <a:srgbClr val="000000"/>
-              </a:solidFill>
-              <a:latin typeface="함초롬돋움"/>
-              <a:ea typeface="함초롬돋움"/>
-              <a:cs typeface="Times New Roman"/>
-            </a:endParaRPr>
-          </a:p>
-          <a:p>
-            <a:pPr marL="0" indent="0" algn="l" defTabSz="914400" rtl="0" eaLnBrk="1" latinLnBrk="1" hangingPunct="1">
-              <a:lnSpc>
-                <a:spcPct val="100000"/>
-              </a:lnSpc>
-              <a:spcBef>
-                <a:spcPct val="0"/>
-              </a:spcBef>
-              <a:spcAft>
-                <a:spcPts val="0"/>
-              </a:spcAft>
-              <a:buNone/>
-              <a:defRPr/>
-            </a:pPr>
-            <a:r>
-              <a:rPr xmlns:mc="http://schemas.openxmlformats.org/markup-compatibility/2006" xmlns:hp="http://schemas.haansoft.com/office/presentation/8.0" kumimoji="0" lang="en-US" altLang="ko-KR" sz="1800" b="0" i="0" u="none" strike="noStrike" kern="1200" cap="none" spc="0" normalizeH="0" baseline="0" mc:Ignorable="hp" hp:hslEmbossed="0">
-                <a:solidFill>
-                  <a:srgbClr val="000000"/>
-                </a:solidFill>
-                <a:latin typeface="함초롬돋움"/>
-                <a:ea typeface="함초롬돋움"/>
-                <a:cs typeface="Times New Roman"/>
-              </a:rPr>
-              <a:t>-</a:t>
-            </a:r>
-            <a:r>
-              <a:rPr xmlns:mc="http://schemas.openxmlformats.org/markup-compatibility/2006" xmlns:hp="http://schemas.haansoft.com/office/presentation/8.0" kumimoji="0" lang="ko-KR" altLang="en-US" sz="1800" b="0" i="0" u="none" strike="noStrike" kern="1200" cap="none" spc="0" normalizeH="0" baseline="0" mc:Ignorable="hp" hp:hslEmbossed="0">
-                <a:solidFill>
-                  <a:srgbClr val="000000"/>
-                </a:solidFill>
-                <a:latin typeface="함초롬돋움"/>
-                <a:ea typeface="함초롬돋움"/>
-                <a:cs typeface="Times New Roman"/>
-              </a:rPr>
-              <a:t> </a:t>
-            </a:r>
-            <a:r>
-              <a:rPr xmlns:mc="http://schemas.openxmlformats.org/markup-compatibility/2006" xmlns:hp="http://schemas.haansoft.com/office/presentation/8.0" kumimoji="0" lang="en-US" altLang="ko-KR" sz="1800" b="0" i="0" u="none" strike="noStrike" kern="1200" cap="none" spc="0" normalizeH="0" baseline="0" mc:Ignorable="hp" hp:hslEmbossed="0">
-                <a:solidFill>
-                  <a:srgbClr val="000000"/>
-                </a:solidFill>
-                <a:latin typeface="함초롬돋움"/>
-                <a:ea typeface="함초롬돋움"/>
-                <a:cs typeface="Times New Roman"/>
-              </a:rPr>
-              <a:t>smoothness</a:t>
-            </a:r>
-            <a:endParaRPr xmlns:mc="http://schemas.openxmlformats.org/markup-compatibility/2006" xmlns:hp="http://schemas.haansoft.com/office/presentation/8.0" kumimoji="0" lang="en-US" altLang="ko-KR" sz="1800" b="0" i="0" u="none" strike="noStrike" kern="1200" cap="none" spc="0" normalizeH="0" baseline="0" mc:Ignorable="hp" hp:hslEmbossed="0">
-              <a:solidFill>
-                <a:srgbClr val="000000"/>
-              </a:solidFill>
-              <a:latin typeface="함초롬돋움"/>
-              <a:ea typeface="함초롬돋움"/>
-              <a:cs typeface="Times New Roman"/>
-            </a:endParaRPr>
-          </a:p>
-          <a:p>
-            <a:pPr marL="0" indent="0" algn="l" defTabSz="914400" rtl="0" eaLnBrk="1" latinLnBrk="1" hangingPunct="1">
-              <a:lnSpc>
-                <a:spcPct val="100000"/>
-              </a:lnSpc>
-              <a:spcBef>
-                <a:spcPct val="0"/>
-              </a:spcBef>
-              <a:spcAft>
-                <a:spcPts val="0"/>
-              </a:spcAft>
-              <a:buNone/>
-              <a:defRPr/>
-            </a:pPr>
-            <a:r>
-              <a:rPr xmlns:mc="http://schemas.openxmlformats.org/markup-compatibility/2006" xmlns:hp="http://schemas.haansoft.com/office/presentation/8.0" kumimoji="0" lang="en-US" altLang="ko-KR" sz="1800" b="0" i="0" u="none" strike="noStrike" kern="1200" cap="none" spc="0" normalizeH="0" baseline="0" mc:Ignorable="hp" hp:hslEmbossed="0">
-                <a:solidFill>
-                  <a:srgbClr val="000000"/>
-                </a:solidFill>
-                <a:latin typeface="함초롬돋움"/>
-                <a:ea typeface="함초롬돋움"/>
-                <a:cs typeface="Times New Roman"/>
-              </a:rPr>
-              <a:t>- local constancy</a:t>
-            </a:r>
-            <a:endParaRPr xmlns:mc="http://schemas.openxmlformats.org/markup-compatibility/2006" xmlns:hp="http://schemas.haansoft.com/office/presentation/8.0" kumimoji="0" lang="en-US" altLang="ko-KR" sz="1800" b="0" i="0" u="none" strike="noStrike" kern="1200" cap="none" spc="0" normalizeH="0" baseline="0" mc:Ignorable="hp" hp:hslEmbossed="0">
-              <a:solidFill>
-                <a:srgbClr val="000000"/>
-              </a:solidFill>
-              <a:latin typeface="함초롬돋움"/>
-              <a:ea typeface="함초롬돋움"/>
-              <a:cs typeface="Times New Roman"/>
-            </a:endParaRPr>
+            <a:pPr>
+              <a:defRPr/>
+            </a:pPr>
+            <a:r>
+              <a:rPr lang="ko-KR" altLang="en-US" sz="2100"/>
+              <a:t>차원의 저주 피하기</a:t>
+            </a:r>
+            <a:endParaRPr lang="ko-KR" altLang="en-US" sz="2100"/>
           </a:p>
         </p:txBody>
       </p:sp>
@@ -3521,14 +3312,45 @@
       </p:sp>
       <p:sp>
         <p:nvSpPr>
+          <p:cNvPr id="3" name=""/>
+          <p:cNvSpPr txBox="1"/>
+          <p:nvPr/>
+        </p:nvSpPr>
+        <p:spPr>
+          <a:xfrm>
+            <a:off x="1115616" y="1628800"/>
+            <a:ext cx="7308812" cy="902945"/>
+          </a:xfrm>
+          <a:prstGeom prst="rect">
+            <a:avLst/>
+          </a:prstGeom>
+        </p:spPr>
+        <p:txBody>
+          <a:bodyPr wrap="square">
+            <a:spAutoFit/>
+          </a:bodyPr>
+          <a:p>
+            <a:pPr>
+              <a:defRPr/>
+            </a:pPr>
+            <a:r>
+              <a:rPr lang="en-US" altLang="ko-KR"/>
+              <a:t>In order to generalize well, machine learning algorithms need to be guided by prior beliefs about what kind of function they should learn.</a:t>
+            </a:r>
+            <a:endParaRPr lang="en-US" altLang="ko-KR"/>
+          </a:p>
+        </p:txBody>
+      </p:sp>
+      <p:sp>
+        <p:nvSpPr>
           <p:cNvPr id="5" name=""/>
           <p:cNvSpPr txBox="1"/>
           <p:nvPr/>
         </p:nvSpPr>
         <p:spPr>
           <a:xfrm>
-            <a:off x="1115616" y="4078952"/>
-            <a:ext cx="7308812" cy="643543"/>
+            <a:off x="1115616" y="3130528"/>
+            <a:ext cx="7308812" cy="1182392"/>
           </a:xfrm>
           <a:prstGeom prst="rect">
             <a:avLst/>
@@ -3553,6 +3375,17 @@
               <a:defRPr/>
             </a:pPr>
             <a:r>
+              <a:rPr xmlns:mc="http://schemas.openxmlformats.org/markup-compatibility/2006" xmlns:hp="http://schemas.haansoft.com/office/presentation/8.0" kumimoji="0" lang="ko-KR" altLang="en-US" sz="1800" b="0" i="0" u="none" strike="noStrike" kern="1200" cap="none" spc="0" normalizeH="0" baseline="0" mc:Ignorable="hp" hp:hslEmbossed="0">
+                <a:solidFill>
+                  <a:srgbClr val="000000"/>
+                </a:solidFill>
+                <a:latin typeface="함초롬돋움"/>
+                <a:ea typeface="함초롬돋움"/>
+                <a:cs typeface="Times New Roman"/>
+              </a:rPr>
+              <a:t>학습하는 함수들의 </a:t>
+            </a:r>
+            <a:r>
               <a:rPr xmlns:mc="http://schemas.openxmlformats.org/markup-compatibility/2006" xmlns:hp="http://schemas.haansoft.com/office/presentation/8.0" kumimoji="0" lang="en-US" altLang="ko-KR" sz="1800" b="0" i="0" u="none" strike="noStrike" kern="1200" cap="none" spc="0" normalizeH="0" baseline="0" mc:Ignorable="hp" hp:hslEmbossed="0">
                 <a:solidFill>
                   <a:srgbClr val="000000"/>
@@ -3561,7 +3394,29 @@
                 <a:ea typeface="함초롬돋움"/>
                 <a:cs typeface="Times New Roman"/>
               </a:rPr>
-              <a:t>- k-NN</a:t>
+              <a:t>prior belief</a:t>
+            </a:r>
+            <a:r>
+              <a:rPr xmlns:mc="http://schemas.openxmlformats.org/markup-compatibility/2006" xmlns:hp="http://schemas.haansoft.com/office/presentation/8.0" kumimoji="0" lang="ko-KR" altLang="en-US" sz="1800" b="0" i="0" u="none" strike="noStrike" kern="1200" cap="none" spc="0" normalizeH="0" baseline="0" mc:Ignorable="hp" hp:hslEmbossed="0">
+                <a:solidFill>
+                  <a:srgbClr val="000000"/>
+                </a:solidFill>
+                <a:latin typeface="함초롬돋움"/>
+                <a:ea typeface="함초롬돋움"/>
+                <a:cs typeface="Times New Roman"/>
+              </a:rPr>
+              <a:t>에 의해 특성이 달라진다</a:t>
+            </a:r>
+            <a:r>
+              <a:rPr xmlns:mc="http://schemas.openxmlformats.org/markup-compatibility/2006" xmlns:hp="http://schemas.haansoft.com/office/presentation/8.0" kumimoji="0" lang="en-US" altLang="ko-KR" sz="1800" b="0" i="0" u="none" strike="noStrike" kern="1200" cap="none" spc="0" normalizeH="0" baseline="0" mc:Ignorable="hp" hp:hslEmbossed="0">
+                <a:solidFill>
+                  <a:srgbClr val="000000"/>
+                </a:solidFill>
+                <a:latin typeface="함초롬돋움"/>
+                <a:ea typeface="함초롬돋움"/>
+                <a:cs typeface="Times New Roman"/>
+              </a:rPr>
+              <a:t>.</a:t>
             </a:r>
             <a:endParaRPr xmlns:mc="http://schemas.openxmlformats.org/markup-compatibility/2006" xmlns:hp="http://schemas.haansoft.com/office/presentation/8.0" kumimoji="0" lang="en-US" altLang="ko-KR" sz="1800" b="0" i="0" u="none" strike="noStrike" kern="1200" cap="none" spc="0" normalizeH="0" baseline="0" mc:Ignorable="hp" hp:hslEmbossed="0">
               <a:solidFill>
@@ -3586,6 +3441,29 @@
               <a:buNone/>
               <a:defRPr/>
             </a:pPr>
+            <a:endParaRPr xmlns:mc="http://schemas.openxmlformats.org/markup-compatibility/2006" xmlns:hp="http://schemas.haansoft.com/office/presentation/8.0" kumimoji="0" lang="en-US" altLang="ko-KR" sz="1800" b="0" i="0" u="none" strike="noStrike" kern="1200" cap="none" spc="0" normalizeH="0" baseline="0" mc:Ignorable="hp" hp:hslEmbossed="0">
+              <a:solidFill>
+                <a:srgbClr val="000000"/>
+              </a:solidFill>
+              <a:latin typeface="함초롬돋움"/>
+              <a:ea typeface="함초롬돋움"/>
+              <a:cs typeface="Times New Roman"/>
+            </a:endParaRPr>
+          </a:p>
+          <a:p>
+            <a:pPr marL="0" indent="0" algn="l" defTabSz="914400" rtl="0" eaLnBrk="1" latinLnBrk="1" hangingPunct="1">
+              <a:lnSpc>
+                <a:spcPct val="100000"/>
+              </a:lnSpc>
+              <a:spcBef>
+                <a:spcPct val="0"/>
+              </a:spcBef>
+              <a:spcAft>
+                <a:spcPts val="0"/>
+              </a:spcAft>
+              <a:buNone/>
+              <a:defRPr/>
+            </a:pPr>
             <a:r>
               <a:rPr xmlns:mc="http://schemas.openxmlformats.org/markup-compatibility/2006" xmlns:hp="http://schemas.haansoft.com/office/presentation/8.0" kumimoji="0" lang="en-US" altLang="ko-KR" sz="1800" b="0" i="0" u="none" strike="noStrike" kern="1200" cap="none" spc="0" normalizeH="0" baseline="0" mc:Ignorable="hp" hp:hslEmbossed="0">
                 <a:solidFill>
@@ -3595,7 +3473,29 @@
                 <a:ea typeface="함초롬돋움"/>
                 <a:cs typeface="Times New Roman"/>
               </a:rPr>
-              <a:t>- Decision Tree</a:t>
+              <a:t>-</a:t>
+            </a:r>
+            <a:r>
+              <a:rPr xmlns:mc="http://schemas.openxmlformats.org/markup-compatibility/2006" xmlns:hp="http://schemas.haansoft.com/office/presentation/8.0" kumimoji="0" lang="ko-KR" altLang="en-US" sz="1800" b="0" i="0" u="none" strike="noStrike" kern="1200" cap="none" spc="0" normalizeH="0" baseline="0" mc:Ignorable="hp" hp:hslEmbossed="0">
+                <a:solidFill>
+                  <a:srgbClr val="000000"/>
+                </a:solidFill>
+                <a:latin typeface="함초롬돋움"/>
+                <a:ea typeface="함초롬돋움"/>
+                <a:cs typeface="Times New Roman"/>
+              </a:rPr>
+              <a:t> </a:t>
+            </a:r>
+            <a:r>
+              <a:rPr xmlns:mc="http://schemas.openxmlformats.org/markup-compatibility/2006" xmlns:hp="http://schemas.haansoft.com/office/presentation/8.0" kumimoji="0" lang="en-US" altLang="ko-KR" sz="1800" b="0" i="0" u="none" strike="noStrike" kern="1200" cap="none" spc="0" normalizeH="0" baseline="0" mc:Ignorable="hp" hp:hslEmbossed="0">
+                <a:solidFill>
+                  <a:srgbClr val="000000"/>
+                </a:solidFill>
+                <a:latin typeface="함초롬돋움"/>
+                <a:ea typeface="함초롬돋움"/>
+                <a:cs typeface="Times New Roman"/>
+              </a:rPr>
+              <a:t>smoothness</a:t>
             </a:r>
             <a:endParaRPr xmlns:mc="http://schemas.openxmlformats.org/markup-compatibility/2006" xmlns:hp="http://schemas.haansoft.com/office/presentation/8.0" kumimoji="0" lang="en-US" altLang="ko-KR" sz="1800" b="0" i="0" u="none" strike="noStrike" kern="1200" cap="none" spc="0" normalizeH="0" baseline="0" mc:Ignorable="hp" hp:hslEmbossed="0">
               <a:solidFill>
@@ -3606,32 +3506,42 @@
               <a:cs typeface="Times New Roman"/>
             </a:endParaRPr>
           </a:p>
-        </p:txBody>
-      </p:sp>
-      <p:pic>
-        <p:nvPicPr>
-          <p:cNvPr id="6" name=""/>
-          <p:cNvPicPr>
-            <a:picLocks noChangeAspect="1"/>
-          </p:cNvPicPr>
-          <p:nvPr/>
-        </p:nvPicPr>
-        <p:blipFill rotWithShape="1">
-          <a:blip r:embed="rId2"/>
-          <a:stretch>
-            <a:fillRect/>
-          </a:stretch>
-        </p:blipFill>
-        <p:spPr>
-          <a:xfrm>
-            <a:off x="2533650" y="2240868"/>
-            <a:ext cx="4076700" cy="899160"/>
-          </a:xfrm>
-          <a:prstGeom prst="rect">
-            <a:avLst/>
-          </a:prstGeom>
-        </p:spPr>
-      </p:pic>
+          <a:p>
+            <a:pPr marL="0" indent="0" algn="l" defTabSz="914400" rtl="0" eaLnBrk="1" latinLnBrk="1" hangingPunct="1">
+              <a:lnSpc>
+                <a:spcPct val="100000"/>
+              </a:lnSpc>
+              <a:spcBef>
+                <a:spcPct val="0"/>
+              </a:spcBef>
+              <a:spcAft>
+                <a:spcPts val="0"/>
+              </a:spcAft>
+              <a:buNone/>
+              <a:defRPr/>
+            </a:pPr>
+            <a:r>
+              <a:rPr xmlns:mc="http://schemas.openxmlformats.org/markup-compatibility/2006" xmlns:hp="http://schemas.haansoft.com/office/presentation/8.0" kumimoji="0" lang="en-US" altLang="ko-KR" sz="1800" b="0" i="0" u="none" strike="noStrike" kern="1200" cap="none" spc="0" normalizeH="0" baseline="0" mc:Ignorable="hp" hp:hslEmbossed="0">
+                <a:solidFill>
+                  <a:srgbClr val="000000"/>
+                </a:solidFill>
+                <a:latin typeface="함초롬돋움"/>
+                <a:ea typeface="함초롬돋움"/>
+                <a:cs typeface="Times New Roman"/>
+              </a:rPr>
+              <a:t>- local constancy</a:t>
+            </a:r>
+            <a:endParaRPr xmlns:mc="http://schemas.openxmlformats.org/markup-compatibility/2006" xmlns:hp="http://schemas.haansoft.com/office/presentation/8.0" kumimoji="0" lang="en-US" altLang="ko-KR" sz="1800" b="0" i="0" u="none" strike="noStrike" kern="1200" cap="none" spc="0" normalizeH="0" baseline="0" mc:Ignorable="hp" hp:hslEmbossed="0">
+              <a:solidFill>
+                <a:srgbClr val="000000"/>
+              </a:solidFill>
+              <a:latin typeface="함초롬돋움"/>
+              <a:ea typeface="함초롬돋움"/>
+              <a:cs typeface="Times New Roman"/>
+            </a:endParaRPr>
+          </a:p>
+        </p:txBody>
+      </p:sp>
     </p:spTree>
   </p:cSld>
   <p:clrMapOvr>
@@ -3677,7 +3587,9 @@
         </p:nvSpPr>
         <p:spPr/>
         <p:txBody>
-          <a:bodyPr/>
+          <a:bodyPr>
+            <a:normAutofit fontScale="90000"/>
+          </a:bodyPr>
           <a:lstStyle/>
           <a:p>
             <a:pPr>
@@ -3685,15 +3597,104 @@
             </a:pPr>
             <a:r>
               <a:rPr lang="en-US" altLang="ko-KR"/>
-              <a:t>Manifold</a:t>
+              <a:t>Local Constancy, Smoothness Regularization</a:t>
             </a:r>
             <a:endParaRPr lang="en-US" altLang="ko-KR"/>
+          </a:p>
+        </p:txBody>
+      </p:sp>
+      <p:sp>
+        <p:nvSpPr>
+          <p:cNvPr id="5" name=""/>
+          <p:cNvSpPr txBox="1"/>
+          <p:nvPr/>
+        </p:nvSpPr>
+        <p:spPr>
+          <a:xfrm>
+            <a:off x="1115616" y="4078952"/>
+            <a:ext cx="7308812" cy="643543"/>
+          </a:xfrm>
+          <a:prstGeom prst="rect">
+            <a:avLst/>
+          </a:prstGeom>
+        </p:spPr>
+        <p:txBody>
+          <a:bodyPr wrap="square">
+            <a:spAutoFit/>
+          </a:bodyPr>
+          <a:p>
+            <a:pPr marL="0" indent="0" algn="l" defTabSz="914400" rtl="0" eaLnBrk="1" latinLnBrk="1" hangingPunct="1">
+              <a:lnSpc>
+                <a:spcPct val="100000"/>
+              </a:lnSpc>
+              <a:spcBef>
+                <a:spcPct val="0"/>
+              </a:spcBef>
+              <a:spcAft>
+                <a:spcPts val="0"/>
+              </a:spcAft>
+              <a:buNone/>
+              <a:defRPr/>
+            </a:pPr>
+            <a:r>
+              <a:rPr xmlns:mc="http://schemas.openxmlformats.org/markup-compatibility/2006" xmlns:hp="http://schemas.haansoft.com/office/presentation/8.0" kumimoji="0" lang="en-US" altLang="ko-KR" sz="1800" b="0" i="0" u="none" strike="noStrike" kern="1200" cap="none" spc="0" normalizeH="0" baseline="0" mc:Ignorable="hp" hp:hslEmbossed="0">
+                <a:solidFill>
+                  <a:srgbClr val="000000"/>
+                </a:solidFill>
+                <a:latin typeface="함초롬돋움"/>
+                <a:ea typeface="함초롬돋움"/>
+                <a:cs typeface="Times New Roman"/>
+              </a:rPr>
+              <a:t>- k-NN</a:t>
+            </a:r>
+            <a:endParaRPr xmlns:mc="http://schemas.openxmlformats.org/markup-compatibility/2006" xmlns:hp="http://schemas.haansoft.com/office/presentation/8.0" kumimoji="0" lang="en-US" altLang="ko-KR" sz="1800" b="0" i="0" u="none" strike="noStrike" kern="1200" cap="none" spc="0" normalizeH="0" baseline="0" mc:Ignorable="hp" hp:hslEmbossed="0">
+              <a:solidFill>
+                <a:srgbClr val="000000"/>
+              </a:solidFill>
+              <a:latin typeface="함초롬돋움"/>
+              <a:ea typeface="함초롬돋움"/>
+              <a:cs typeface="Times New Roman"/>
+            </a:endParaRPr>
+          </a:p>
+          <a:p>
+            <a:pPr marL="0" indent="0" algn="l" defTabSz="914400" rtl="0" eaLnBrk="1" latinLnBrk="1" hangingPunct="1">
+              <a:lnSpc>
+                <a:spcPct val="100000"/>
+              </a:lnSpc>
+              <a:spcBef>
+                <a:spcPct val="0"/>
+              </a:spcBef>
+              <a:spcAft>
+                <a:spcPts val="0"/>
+              </a:spcAft>
+              <a:buNone/>
+              <a:defRPr/>
+            </a:pPr>
+            <a:r>
+              <a:rPr xmlns:mc="http://schemas.openxmlformats.org/markup-compatibility/2006" xmlns:hp="http://schemas.haansoft.com/office/presentation/8.0" kumimoji="0" lang="en-US" altLang="ko-KR" sz="1800" b="0" i="0" u="none" strike="noStrike" kern="1200" cap="none" spc="0" normalizeH="0" baseline="0" mc:Ignorable="hp" hp:hslEmbossed="0">
+                <a:solidFill>
+                  <a:srgbClr val="000000"/>
+                </a:solidFill>
+                <a:latin typeface="함초롬돋움"/>
+                <a:ea typeface="함초롬돋움"/>
+                <a:cs typeface="Times New Roman"/>
+              </a:rPr>
+              <a:t>- Decision Tree</a:t>
+            </a:r>
+            <a:endParaRPr xmlns:mc="http://schemas.openxmlformats.org/markup-compatibility/2006" xmlns:hp="http://schemas.haansoft.com/office/presentation/8.0" kumimoji="0" lang="en-US" altLang="ko-KR" sz="1800" b="0" i="0" u="none" strike="noStrike" kern="1200" cap="none" spc="0" normalizeH="0" baseline="0" mc:Ignorable="hp" hp:hslEmbossed="0">
+              <a:solidFill>
+                <a:srgbClr val="000000"/>
+              </a:solidFill>
+              <a:latin typeface="함초롬돋움"/>
+              <a:ea typeface="함초롬돋움"/>
+              <a:cs typeface="Times New Roman"/>
+            </a:endParaRPr>
           </a:p>
         </p:txBody>
       </p:sp>
       <p:pic>
         <p:nvPicPr>
-          <p:cNvPr id="7" name=""/>
+          <p:cNvPr id="6" name=""/>
           <p:cNvPicPr>
             <a:picLocks noChangeAspect="1"/>
           </p:cNvPicPr>
@@ -3707,8 +3708,8 @@
         </p:blipFill>
         <p:spPr>
           <a:xfrm>
-            <a:off x="2049779" y="2091690"/>
-            <a:ext cx="5044440" cy="2674619"/>
+            <a:off x="2533650" y="2240868"/>
+            <a:ext cx="4076700" cy="899160"/>
           </a:xfrm>
           <a:prstGeom prst="rect">
             <a:avLst/>
@@ -3732,6 +3733,89 @@
 </file>
 
 <file path=ppt/slides/slide7.xml><?xml version="1.0" encoding="utf-8"?>
+<p:sld xmlns:r="http://schemas.openxmlformats.org/officeDocument/2006/relationships" xmlns:c="http://schemas.openxmlformats.org/drawingml/2006/chart" xmlns:a="http://schemas.openxmlformats.org/drawingml/2006/main" xmlns:dgm="http://schemas.openxmlformats.org/drawingml/2006/diagram" xmlns:dsp="http://schemas.microsoft.com/office/drawing/2008/diagram" xmlns:p="http://schemas.openxmlformats.org/presentationml/2006/main">
+  <p:cSld>
+    <p:spTree>
+      <p:nvGrpSpPr>
+        <p:cNvPr id="1" name=""/>
+        <p:cNvGrpSpPr/>
+        <p:nvPr/>
+      </p:nvGrpSpPr>
+      <p:grpSpPr>
+        <a:xfrm>
+          <a:off x="0" y="0"/>
+          <a:ext cx="0" cy="0"/>
+          <a:chOff x="0" y="0"/>
+          <a:chExt cx="0" cy="0"/>
+        </a:xfrm>
+      </p:grpSpPr>
+      <p:sp>
+        <p:nvSpPr>
+          <p:cNvPr id="2" name="제목 1"/>
+          <p:cNvSpPr>
+            <a:spLocks noGrp="1"/>
+          </p:cNvSpPr>
+          <p:nvPr>
+            <p:ph type="ctrTitle" idx="13"/>
+          </p:nvPr>
+        </p:nvSpPr>
+        <p:spPr/>
+        <p:txBody>
+          <a:bodyPr/>
+          <a:lstStyle/>
+          <a:p>
+            <a:pPr>
+              <a:defRPr/>
+            </a:pPr>
+            <a:r>
+              <a:rPr lang="en-US" altLang="ko-KR"/>
+              <a:t>Manifold</a:t>
+            </a:r>
+            <a:endParaRPr lang="en-US" altLang="ko-KR"/>
+          </a:p>
+        </p:txBody>
+      </p:sp>
+      <p:pic>
+        <p:nvPicPr>
+          <p:cNvPr id="7" name=""/>
+          <p:cNvPicPr>
+            <a:picLocks noChangeAspect="1"/>
+          </p:cNvPicPr>
+          <p:nvPr/>
+        </p:nvPicPr>
+        <p:blipFill rotWithShape="1">
+          <a:blip r:embed="rId2"/>
+          <a:stretch>
+            <a:fillRect/>
+          </a:stretch>
+        </p:blipFill>
+        <p:spPr>
+          <a:xfrm>
+            <a:off x="2049779" y="2091690"/>
+            <a:ext cx="5044440" cy="2674619"/>
+          </a:xfrm>
+          <a:prstGeom prst="rect">
+            <a:avLst/>
+          </a:prstGeom>
+        </p:spPr>
+      </p:pic>
+    </p:spTree>
+  </p:cSld>
+  <p:clrMapOvr>
+    <a:masterClrMapping/>
+  </p:clrMapOvr>
+  <mc:AlternateContent xmlns:mc="http://schemas.openxmlformats.org/markup-compatibility/2006">
+    <mc:Choice xmlns:p14="http://schemas.microsoft.com/office/powerpoint/2010/main" Requires="p14">
+      <p:transition xmlns:mc="http://schemas.openxmlformats.org/markup-compatibility/2006" xmlns:p14="http://schemas.microsoft.com/office/powerpoint/2010/main" mc:Ignorable="p14" p14:dur="500"/>
+    </mc:Choice>
+    <mc:Fallback>
+      <p:transition/>
+    </mc:Fallback>
+  </mc:AlternateContent>
+</p:sld>
+</file>
+
+<file path=ppt/slides/slide8.xml><?xml version="1.0" encoding="utf-8"?>
 <p:sld xmlns:r="http://schemas.openxmlformats.org/officeDocument/2006/relationships" xmlns:c="http://schemas.openxmlformats.org/drawingml/2006/chart" xmlns:a="http://schemas.openxmlformats.org/drawingml/2006/main" xmlns:dgm="http://schemas.openxmlformats.org/drawingml/2006/diagram" xmlns:dsp="http://schemas.microsoft.com/office/drawing/2008/diagram" xmlns:p="http://schemas.openxmlformats.org/presentationml/2006/main">
   <p:cSld>
     <p:spTree>
